--- a/powerpoints/rstudio-ide.pptx
+++ b/powerpoints/rstudio-ide.pptx
@@ -8778,7 +8778,7 @@
         </p:sp>
         <p:sp>
           <p:nvSpPr>
-            <p:cNvPr id="231" name="Open with debug(), browse(), or a breakpoint. RStudio will open the debugger mode when it encounters a breakpoint while executing code."/>
+            <p:cNvPr id="231" name="Open with debug(), browser(), or a breakpoint. RStudio will open the debugger mode when it encounters a breakpoint while executing code."/>
             <p:cNvSpPr txBox="1"/>
             <p:nvPr/>
           </p:nvSpPr>
@@ -8854,7 +8854,7 @@
                   <a:cs typeface="+mn-cs"/>
                   <a:sym typeface="Source Sans Pro"/>
                 </a:rPr>
-                <a:t>browse(), </a:t>
+                <a:t>browser(), </a:t>
               </a:r>
               <a:r>
                 <a:t>or a breakpoint. RStudio will open the debugger mode when it encounters a breakpoint while executing code.</a:t>

--- a/powerpoints/rstudio-ide.pptx
+++ b/powerpoints/rstudio-ide.pptx
@@ -1,6 +1,6 @@
 
 <file path=ppt/presentation.xml><?xml version="1.0" encoding="utf-8"?>
-<p:presentation xmlns:a="http://schemas.openxmlformats.org/drawingml/2006/main" xmlns:r="http://schemas.openxmlformats.org/officeDocument/2006/relationships" xmlns:p="http://schemas.openxmlformats.org/presentationml/2006/main">
+<p:presentation xmlns:a="http://schemas.openxmlformats.org/drawingml/2006/main" xmlns:r="http://schemas.openxmlformats.org/officeDocument/2006/relationships" xmlns:p="http://schemas.openxmlformats.org/presentationml/2006/main" xmlns:m="http://schemas.openxmlformats.org/officeDocument/2006/math" xmlns:a14="http://schemas.microsoft.com/office/drawing/2010/main">
   <p:sldMasterIdLst>
     <p:sldMasterId id="2147483648" r:id="rId5"/>
   </p:sldMasterIdLst>
@@ -315,11 +315,11 @@
 </file>
 
 <file path=ppt/commentAuthors.xml><?xml version="1.0" encoding="utf-8"?>
-<p:cmAuthorLst xmlns:a="http://schemas.openxmlformats.org/drawingml/2006/main" xmlns:r="http://schemas.openxmlformats.org/officeDocument/2006/relationships" xmlns:p="http://schemas.openxmlformats.org/presentationml/2006/main"/>
+<p:cmAuthorLst xmlns:a="http://schemas.openxmlformats.org/drawingml/2006/main" xmlns:r="http://schemas.openxmlformats.org/officeDocument/2006/relationships" xmlns:p="http://schemas.openxmlformats.org/presentationml/2006/main" xmlns:m="http://schemas.openxmlformats.org/officeDocument/2006/math" xmlns:a14="http://schemas.microsoft.com/office/drawing/2010/main"/>
 </file>
 
 <file path=ppt/notesMasters/notesMaster1.xml><?xml version="1.0" encoding="utf-8"?>
-<p:notesMaster xmlns:a="http://schemas.openxmlformats.org/drawingml/2006/main" xmlns:r="http://schemas.openxmlformats.org/officeDocument/2006/relationships" xmlns:p="http://schemas.openxmlformats.org/presentationml/2006/main">
+<p:notesMaster xmlns:a="http://schemas.openxmlformats.org/drawingml/2006/main" xmlns:r="http://schemas.openxmlformats.org/officeDocument/2006/relationships" xmlns:p="http://schemas.openxmlformats.org/presentationml/2006/main" xmlns:m="http://schemas.openxmlformats.org/officeDocument/2006/math" xmlns:a14="http://schemas.microsoft.com/office/drawing/2010/main">
   <p:cSld>
     <p:spTree>
       <p:nvGrpSpPr>
@@ -493,7 +493,7 @@
 </file>
 
 <file path=ppt/slideLayouts/slideLayout1.xml><?xml version="1.0" encoding="utf-8"?>
-<p:sldLayout xmlns:a="http://schemas.openxmlformats.org/drawingml/2006/main" xmlns:r="http://schemas.openxmlformats.org/officeDocument/2006/relationships" xmlns:p="http://schemas.openxmlformats.org/presentationml/2006/main" type="title" showMasterSp="1" showMasterPhAnim="1">
+<p:sldLayout xmlns:a="http://schemas.openxmlformats.org/drawingml/2006/main" xmlns:r="http://schemas.openxmlformats.org/officeDocument/2006/relationships" xmlns:p="http://schemas.openxmlformats.org/presentationml/2006/main" xmlns:m="http://schemas.openxmlformats.org/officeDocument/2006/math" xmlns:a14="http://schemas.microsoft.com/office/drawing/2010/main" type="title" showMasterSp="1" showMasterPhAnim="1">
   <p:cSld name="Title &amp; Subtitle">
     <p:spTree>
       <p:nvGrpSpPr>
@@ -667,7 +667,7 @@
 </file>
 
 <file path=ppt/slideLayouts/slideLayout10.xml><?xml version="1.0" encoding="utf-8"?>
-<p:sldLayout xmlns:a="http://schemas.openxmlformats.org/drawingml/2006/main" xmlns:r="http://schemas.openxmlformats.org/officeDocument/2006/relationships" xmlns:p="http://schemas.openxmlformats.org/presentationml/2006/main" type="tx" showMasterSp="1" showMasterPhAnim="1">
+<p:sldLayout xmlns:a="http://schemas.openxmlformats.org/drawingml/2006/main" xmlns:r="http://schemas.openxmlformats.org/officeDocument/2006/relationships" xmlns:p="http://schemas.openxmlformats.org/presentationml/2006/main" xmlns:m="http://schemas.openxmlformats.org/officeDocument/2006/math" xmlns:a14="http://schemas.microsoft.com/office/drawing/2010/main" type="tx" showMasterSp="1" showMasterPhAnim="1">
   <p:cSld name="Quote">
     <p:spTree>
       <p:nvGrpSpPr>
@@ -789,7 +789,7 @@
 </file>
 
 <file path=ppt/slideLayouts/slideLayout11.xml><?xml version="1.0" encoding="utf-8"?>
-<p:sldLayout xmlns:a="http://schemas.openxmlformats.org/drawingml/2006/main" xmlns:r="http://schemas.openxmlformats.org/officeDocument/2006/relationships" xmlns:p="http://schemas.openxmlformats.org/presentationml/2006/main" type="tx" showMasterSp="1" showMasterPhAnim="1">
+<p:sldLayout xmlns:a="http://schemas.openxmlformats.org/drawingml/2006/main" xmlns:r="http://schemas.openxmlformats.org/officeDocument/2006/relationships" xmlns:p="http://schemas.openxmlformats.org/presentationml/2006/main" xmlns:m="http://schemas.openxmlformats.org/officeDocument/2006/math" xmlns:a14="http://schemas.microsoft.com/office/drawing/2010/main" type="tx" showMasterSp="1" showMasterPhAnim="1">
   <p:cSld name="Photo">
     <p:spTree>
       <p:nvGrpSpPr>
@@ -864,7 +864,7 @@
 </file>
 
 <file path=ppt/slideLayouts/slideLayout12.xml><?xml version="1.0" encoding="utf-8"?>
-<p:sldLayout xmlns:a="http://schemas.openxmlformats.org/drawingml/2006/main" xmlns:r="http://schemas.openxmlformats.org/officeDocument/2006/relationships" xmlns:p="http://schemas.openxmlformats.org/presentationml/2006/main" type="tx" showMasterSp="1" showMasterPhAnim="1">
+<p:sldLayout xmlns:a="http://schemas.openxmlformats.org/drawingml/2006/main" xmlns:r="http://schemas.openxmlformats.org/officeDocument/2006/relationships" xmlns:p="http://schemas.openxmlformats.org/presentationml/2006/main" xmlns:m="http://schemas.openxmlformats.org/officeDocument/2006/math" xmlns:a14="http://schemas.microsoft.com/office/drawing/2010/main" type="tx" showMasterSp="1" showMasterPhAnim="1">
   <p:cSld name="Blank">
     <p:spTree>
       <p:nvGrpSpPr>
@@ -912,7 +912,7 @@
 </file>
 
 <file path=ppt/slideLayouts/slideLayout2.xml><?xml version="1.0" encoding="utf-8"?>
-<p:sldLayout xmlns:a="http://schemas.openxmlformats.org/drawingml/2006/main" xmlns:r="http://schemas.openxmlformats.org/officeDocument/2006/relationships" xmlns:p="http://schemas.openxmlformats.org/presentationml/2006/main" type="tx" showMasterSp="1" showMasterPhAnim="1">
+<p:sldLayout xmlns:a="http://schemas.openxmlformats.org/drawingml/2006/main" xmlns:r="http://schemas.openxmlformats.org/officeDocument/2006/relationships" xmlns:p="http://schemas.openxmlformats.org/presentationml/2006/main" xmlns:m="http://schemas.openxmlformats.org/officeDocument/2006/math" xmlns:a14="http://schemas.microsoft.com/office/drawing/2010/main" type="tx" showMasterSp="1" showMasterPhAnim="1">
   <p:cSld name="Photo - Horizontal">
     <p:spTree>
       <p:nvGrpSpPr>
@@ -1117,7 +1117,7 @@
 </file>
 
 <file path=ppt/slideLayouts/slideLayout3.xml><?xml version="1.0" encoding="utf-8"?>
-<p:sldLayout xmlns:a="http://schemas.openxmlformats.org/drawingml/2006/main" xmlns:r="http://schemas.openxmlformats.org/officeDocument/2006/relationships" xmlns:p="http://schemas.openxmlformats.org/presentationml/2006/main" type="tx" showMasterSp="1" showMasterPhAnim="1">
+<p:sldLayout xmlns:a="http://schemas.openxmlformats.org/drawingml/2006/main" xmlns:r="http://schemas.openxmlformats.org/officeDocument/2006/relationships" xmlns:p="http://schemas.openxmlformats.org/presentationml/2006/main" xmlns:m="http://schemas.openxmlformats.org/officeDocument/2006/math" xmlns:a14="http://schemas.microsoft.com/office/drawing/2010/main" type="tx" showMasterSp="1" showMasterPhAnim="1">
   <p:cSld name="Title - Center">
     <p:spTree>
       <p:nvGrpSpPr>
@@ -1193,7 +1193,7 @@
 </file>
 
 <file path=ppt/slideLayouts/slideLayout4.xml><?xml version="1.0" encoding="utf-8"?>
-<p:sldLayout xmlns:a="http://schemas.openxmlformats.org/drawingml/2006/main" xmlns:r="http://schemas.openxmlformats.org/officeDocument/2006/relationships" xmlns:p="http://schemas.openxmlformats.org/presentationml/2006/main" type="tx" showMasterSp="1" showMasterPhAnim="1">
+<p:sldLayout xmlns:a="http://schemas.openxmlformats.org/drawingml/2006/main" xmlns:r="http://schemas.openxmlformats.org/officeDocument/2006/relationships" xmlns:p="http://schemas.openxmlformats.org/presentationml/2006/main" xmlns:m="http://schemas.openxmlformats.org/officeDocument/2006/math" xmlns:a14="http://schemas.microsoft.com/office/drawing/2010/main" type="tx" showMasterSp="1" showMasterPhAnim="1">
   <p:cSld name="Photo - Vertical">
     <p:spTree>
       <p:nvGrpSpPr>
@@ -1403,7 +1403,7 @@
 </file>
 
 <file path=ppt/slideLayouts/slideLayout5.xml><?xml version="1.0" encoding="utf-8"?>
-<p:sldLayout xmlns:a="http://schemas.openxmlformats.org/drawingml/2006/main" xmlns:r="http://schemas.openxmlformats.org/officeDocument/2006/relationships" xmlns:p="http://schemas.openxmlformats.org/presentationml/2006/main" type="tx" showMasterSp="1" showMasterPhAnim="1">
+<p:sldLayout xmlns:a="http://schemas.openxmlformats.org/drawingml/2006/main" xmlns:r="http://schemas.openxmlformats.org/officeDocument/2006/relationships" xmlns:p="http://schemas.openxmlformats.org/presentationml/2006/main" xmlns:m="http://schemas.openxmlformats.org/officeDocument/2006/math" xmlns:a14="http://schemas.microsoft.com/office/drawing/2010/main" type="tx" showMasterSp="1" showMasterPhAnim="1">
   <p:cSld name="Title - Top">
     <p:spTree>
       <p:nvGrpSpPr>
@@ -1475,7 +1475,7 @@
 </file>
 
 <file path=ppt/slideLayouts/slideLayout6.xml><?xml version="1.0" encoding="utf-8"?>
-<p:sldLayout xmlns:a="http://schemas.openxmlformats.org/drawingml/2006/main" xmlns:r="http://schemas.openxmlformats.org/officeDocument/2006/relationships" xmlns:p="http://schemas.openxmlformats.org/presentationml/2006/main" type="tx" showMasterSp="1" showMasterPhAnim="1">
+<p:sldLayout xmlns:a="http://schemas.openxmlformats.org/drawingml/2006/main" xmlns:r="http://schemas.openxmlformats.org/officeDocument/2006/relationships" xmlns:p="http://schemas.openxmlformats.org/presentationml/2006/main" xmlns:m="http://schemas.openxmlformats.org/officeDocument/2006/math" xmlns:a14="http://schemas.microsoft.com/office/drawing/2010/main" type="tx" showMasterSp="1" showMasterPhAnim="1">
   <p:cSld name="Title &amp; Bullets">
     <p:spTree>
       <p:nvGrpSpPr>
@@ -1595,7 +1595,7 @@
 </file>
 
 <file path=ppt/slideLayouts/slideLayout7.xml><?xml version="1.0" encoding="utf-8"?>
-<p:sldLayout xmlns:a="http://schemas.openxmlformats.org/drawingml/2006/main" xmlns:r="http://schemas.openxmlformats.org/officeDocument/2006/relationships" xmlns:p="http://schemas.openxmlformats.org/presentationml/2006/main" type="tx" showMasterSp="1" showMasterPhAnim="1">
+<p:sldLayout xmlns:a="http://schemas.openxmlformats.org/drawingml/2006/main" xmlns:r="http://schemas.openxmlformats.org/officeDocument/2006/relationships" xmlns:p="http://schemas.openxmlformats.org/presentationml/2006/main" xmlns:m="http://schemas.openxmlformats.org/officeDocument/2006/math" xmlns:a14="http://schemas.microsoft.com/office/drawing/2010/main" type="tx" showMasterSp="1" showMasterPhAnim="1">
   <p:cSld name="Title, Bullets &amp; Photo">
     <p:spTree>
       <p:nvGrpSpPr>
@@ -1762,7 +1762,7 @@
 </file>
 
 <file path=ppt/slideLayouts/slideLayout8.xml><?xml version="1.0" encoding="utf-8"?>
-<p:sldLayout xmlns:a="http://schemas.openxmlformats.org/drawingml/2006/main" xmlns:r="http://schemas.openxmlformats.org/officeDocument/2006/relationships" xmlns:p="http://schemas.openxmlformats.org/presentationml/2006/main" type="tx" showMasterSp="1" showMasterPhAnim="1">
+<p:sldLayout xmlns:a="http://schemas.openxmlformats.org/drawingml/2006/main" xmlns:r="http://schemas.openxmlformats.org/officeDocument/2006/relationships" xmlns:p="http://schemas.openxmlformats.org/presentationml/2006/main" xmlns:m="http://schemas.openxmlformats.org/officeDocument/2006/math" xmlns:a14="http://schemas.microsoft.com/office/drawing/2010/main" type="tx" showMasterSp="1" showMasterPhAnim="1">
   <p:cSld name="Bullets">
     <p:spTree>
       <p:nvGrpSpPr>
@@ -1862,7 +1862,7 @@
 </file>
 
 <file path=ppt/slideLayouts/slideLayout9.xml><?xml version="1.0" encoding="utf-8"?>
-<p:sldLayout xmlns:a="http://schemas.openxmlformats.org/drawingml/2006/main" xmlns:r="http://schemas.openxmlformats.org/officeDocument/2006/relationships" xmlns:p="http://schemas.openxmlformats.org/presentationml/2006/main" type="tx" showMasterSp="1" showMasterPhAnim="1">
+<p:sldLayout xmlns:a="http://schemas.openxmlformats.org/drawingml/2006/main" xmlns:r="http://schemas.openxmlformats.org/officeDocument/2006/relationships" xmlns:p="http://schemas.openxmlformats.org/presentationml/2006/main" xmlns:m="http://schemas.openxmlformats.org/officeDocument/2006/math" xmlns:a14="http://schemas.microsoft.com/office/drawing/2010/main" type="tx" showMasterSp="1" showMasterPhAnim="1">
   <p:cSld name="Photo - 3 Up">
     <p:spTree>
       <p:nvGrpSpPr>
@@ -1991,7 +1991,7 @@
 </file>
 
 <file path=ppt/slideMasters/slideMaster1.xml><?xml version="1.0" encoding="utf-8"?>
-<p:sldMaster xmlns:a="http://schemas.openxmlformats.org/drawingml/2006/main" xmlns:r="http://schemas.openxmlformats.org/officeDocument/2006/relationships" xmlns:p="http://schemas.openxmlformats.org/presentationml/2006/main">
+<p:sldMaster xmlns:a="http://schemas.openxmlformats.org/drawingml/2006/main" xmlns:r="http://schemas.openxmlformats.org/officeDocument/2006/relationships" xmlns:p="http://schemas.openxmlformats.org/presentationml/2006/main" xmlns:m="http://schemas.openxmlformats.org/officeDocument/2006/math" xmlns:a14="http://schemas.microsoft.com/office/drawing/2010/main">
   <p:cSld>
     <p:bg>
       <p:bgPr>
@@ -2973,7 +2973,7 @@
 </file>
 
 <file path=ppt/slides/slide1.xml><?xml version="1.0" encoding="utf-8"?>
-<p:sld xmlns:a="http://schemas.openxmlformats.org/drawingml/2006/main" xmlns:r="http://schemas.openxmlformats.org/officeDocument/2006/relationships" xmlns:p="http://schemas.openxmlformats.org/presentationml/2006/main" showMasterSp="1" showMasterPhAnim="1">
+<p:sld xmlns:a="http://schemas.openxmlformats.org/drawingml/2006/main" xmlns:r="http://schemas.openxmlformats.org/officeDocument/2006/relationships" xmlns:p="http://schemas.openxmlformats.org/presentationml/2006/main" xmlns:m="http://schemas.openxmlformats.org/officeDocument/2006/math" xmlns:a14="http://schemas.microsoft.com/office/drawing/2010/main" showMasterSp="1" showMasterPhAnim="1">
   <p:cSld>
     <p:spTree>
       <p:nvGrpSpPr>
@@ -2989,9 +2989,804 @@
           <a:chExt cx="0" cy="0"/>
         </a:xfrm>
       </p:grpSpPr>
+      <p:grpSp>
+        <p:nvGrpSpPr>
+          <p:cNvPr id="136" name="Group"/>
+          <p:cNvGrpSpPr/>
+          <p:nvPr/>
+        </p:nvGrpSpPr>
+        <p:grpSpPr>
+          <a:xfrm>
+            <a:off x="8383487" y="-1013161"/>
+            <a:ext cx="6157893" cy="3553962"/>
+            <a:chOff x="0" y="51032"/>
+            <a:chExt cx="6157891" cy="3553961"/>
+          </a:xfrm>
+        </p:grpSpPr>
+        <p:grpSp>
+          <p:nvGrpSpPr>
+            <p:cNvPr id="134" name="Group"/>
+            <p:cNvGrpSpPr/>
+            <p:nvPr/>
+          </p:nvGrpSpPr>
+          <p:grpSpPr>
+            <a:xfrm>
+              <a:off x="23293" y="51032"/>
+              <a:ext cx="6134599" cy="2980091"/>
+              <a:chOff x="0" y="51032"/>
+              <a:chExt cx="6134598" cy="2980090"/>
+            </a:xfrm>
+          </p:grpSpPr>
+          <p:sp>
+            <p:nvSpPr>
+              <p:cNvPr id="119" name="Triangle"/>
+              <p:cNvSpPr/>
+              <p:nvPr/>
+            </p:nvSpPr>
+            <p:spPr>
+              <a:xfrm rot="1800000">
+                <a:off x="1177377" y="304285"/>
+                <a:ext cx="1319509" cy="1143860"/>
+              </a:xfrm>
+              <a:prstGeom prst="triangle">
+                <a:avLst/>
+              </a:prstGeom>
+              <a:solidFill>
+                <a:srgbClr val="83AAD7"/>
+              </a:solidFill>
+              <a:ln w="3175" cap="flat">
+                <a:solidFill>
+                  <a:srgbClr val="83AAD7"/>
+                </a:solidFill>
+                <a:prstDash val="solid"/>
+                <a:miter lim="400000"/>
+              </a:ln>
+              <a:effectLst/>
+            </p:spPr>
+            <p:txBody>
+              <a:bodyPr wrap="square" lIns="54570" tIns="54570" rIns="54570" bIns="54570" numCol="1" anchor="ctr">
+                <a:noAutofit/>
+              </a:bodyPr>
+              <a:lstStyle/>
+              <a:p>
+                <a:pPr>
+                  <a:lnSpc>
+                    <a:spcPct val="80000"/>
+                  </a:lnSpc>
+                  <a:spcBef>
+                    <a:spcPts val="0"/>
+                  </a:spcBef>
+                  <a:defRPr b="0">
+                    <a:solidFill>
+                      <a:srgbClr val="000000"/>
+                    </a:solidFill>
+                  </a:defRPr>
+                </a:pPr>
+              </a:p>
+            </p:txBody>
+          </p:sp>
+          <p:sp>
+            <p:nvSpPr>
+              <p:cNvPr id="120" name="Circle"/>
+              <p:cNvSpPr/>
+              <p:nvPr/>
+            </p:nvSpPr>
+            <p:spPr>
+              <a:xfrm flipH="1">
+                <a:off x="1550782" y="838357"/>
+                <a:ext cx="422090" cy="422090"/>
+              </a:xfrm>
+              <a:prstGeom prst="ellipse">
+                <a:avLst/>
+              </a:prstGeom>
+              <a:solidFill>
+                <a:srgbClr val="B6D5F0"/>
+              </a:solidFill>
+              <a:ln w="12700" cap="flat">
+                <a:noFill/>
+                <a:miter lim="400000"/>
+              </a:ln>
+              <a:effectLst/>
+            </p:spPr>
+            <p:txBody>
+              <a:bodyPr wrap="square" lIns="54570" tIns="54570" rIns="54570" bIns="54570" numCol="1" anchor="ctr">
+                <a:noAutofit/>
+              </a:bodyPr>
+              <a:lstStyle/>
+              <a:p>
+                <a:pPr>
+                  <a:lnSpc>
+                    <a:spcPct val="80000"/>
+                  </a:lnSpc>
+                  <a:spcBef>
+                    <a:spcPts val="0"/>
+                  </a:spcBef>
+                  <a:defRPr b="0">
+                    <a:solidFill>
+                      <a:srgbClr val="000000"/>
+                    </a:solidFill>
+                  </a:defRPr>
+                </a:pPr>
+              </a:p>
+            </p:txBody>
+          </p:sp>
+          <p:sp>
+            <p:nvSpPr>
+              <p:cNvPr id="121" name="Circle"/>
+              <p:cNvSpPr/>
+              <p:nvPr/>
+            </p:nvSpPr>
+            <p:spPr>
+              <a:xfrm flipH="1">
+                <a:off x="0" y="819778"/>
+                <a:ext cx="422089" cy="422090"/>
+              </a:xfrm>
+              <a:prstGeom prst="ellipse">
+                <a:avLst/>
+              </a:prstGeom>
+              <a:solidFill>
+                <a:srgbClr val="83AAD7">
+                  <a:alpha val="50458"/>
+                </a:srgbClr>
+              </a:solidFill>
+              <a:ln w="12700" cap="flat">
+                <a:noFill/>
+                <a:miter lim="400000"/>
+              </a:ln>
+              <a:effectLst/>
+            </p:spPr>
+            <p:txBody>
+              <a:bodyPr wrap="square" lIns="54570" tIns="54570" rIns="54570" bIns="54570" numCol="1" anchor="ctr">
+                <a:noAutofit/>
+              </a:bodyPr>
+              <a:lstStyle/>
+              <a:p>
+                <a:pPr>
+                  <a:lnSpc>
+                    <a:spcPct val="80000"/>
+                  </a:lnSpc>
+                  <a:spcBef>
+                    <a:spcPts val="0"/>
+                  </a:spcBef>
+                  <a:defRPr b="0">
+                    <a:solidFill>
+                      <a:srgbClr val="000000"/>
+                    </a:solidFill>
+                  </a:defRPr>
+                </a:pPr>
+              </a:p>
+            </p:txBody>
+          </p:sp>
+          <p:sp>
+            <p:nvSpPr>
+              <p:cNvPr id="122" name="Triangle"/>
+              <p:cNvSpPr/>
+              <p:nvPr/>
+            </p:nvSpPr>
+            <p:spPr>
+              <a:xfrm rot="19800000">
+                <a:off x="2896973" y="973389"/>
+                <a:ext cx="1319509" cy="1143860"/>
+              </a:xfrm>
+              <a:prstGeom prst="triangle">
+                <a:avLst/>
+              </a:prstGeom>
+              <a:solidFill>
+                <a:srgbClr val="B6D5F0"/>
+              </a:solidFill>
+              <a:ln w="6350" cap="flat">
+                <a:solidFill>
+                  <a:srgbClr val="BBD4ED"/>
+                </a:solidFill>
+                <a:prstDash val="solid"/>
+                <a:miter lim="400000"/>
+              </a:ln>
+              <a:effectLst/>
+            </p:spPr>
+            <p:txBody>
+              <a:bodyPr wrap="square" lIns="54570" tIns="54570" rIns="54570" bIns="54570" numCol="1" anchor="ctr">
+                <a:noAutofit/>
+              </a:bodyPr>
+              <a:lstStyle/>
+              <a:p>
+                <a:pPr>
+                  <a:lnSpc>
+                    <a:spcPct val="80000"/>
+                  </a:lnSpc>
+                  <a:spcBef>
+                    <a:spcPts val="0"/>
+                  </a:spcBef>
+                  <a:defRPr b="0">
+                    <a:solidFill>
+                      <a:srgbClr val="000000"/>
+                    </a:solidFill>
+                  </a:defRPr>
+                </a:pPr>
+              </a:p>
+            </p:txBody>
+          </p:sp>
+          <p:sp>
+            <p:nvSpPr>
+              <p:cNvPr id="123" name="Triangle"/>
+              <p:cNvSpPr/>
+              <p:nvPr/>
+            </p:nvSpPr>
+            <p:spPr>
+              <a:xfrm rot="1800000">
+                <a:off x="3470359" y="1634009"/>
+                <a:ext cx="1319509" cy="1143861"/>
+              </a:xfrm>
+              <a:prstGeom prst="triangle">
+                <a:avLst/>
+              </a:prstGeom>
+              <a:solidFill>
+                <a:srgbClr val="83AAD7"/>
+              </a:solidFill>
+              <a:ln w="6350" cap="flat">
+                <a:solidFill>
+                  <a:srgbClr val="83AAD7"/>
+                </a:solidFill>
+                <a:prstDash val="solid"/>
+                <a:miter lim="400000"/>
+              </a:ln>
+              <a:effectLst/>
+            </p:spPr>
+            <p:txBody>
+              <a:bodyPr wrap="square" lIns="54570" tIns="54570" rIns="54570" bIns="54570" numCol="1" anchor="ctr">
+                <a:noAutofit/>
+              </a:bodyPr>
+              <a:lstStyle/>
+              <a:p>
+                <a:pPr>
+                  <a:lnSpc>
+                    <a:spcPct val="80000"/>
+                  </a:lnSpc>
+                  <a:spcBef>
+                    <a:spcPts val="0"/>
+                  </a:spcBef>
+                  <a:defRPr b="0">
+                    <a:solidFill>
+                      <a:srgbClr val="000000"/>
+                    </a:solidFill>
+                  </a:defRPr>
+                </a:pPr>
+              </a:p>
+            </p:txBody>
+          </p:sp>
+          <p:sp>
+            <p:nvSpPr>
+              <p:cNvPr id="124" name="Circle"/>
+              <p:cNvSpPr/>
+              <p:nvPr/>
+            </p:nvSpPr>
+            <p:spPr>
+              <a:xfrm flipH="1">
+                <a:off x="3461021" y="1507461"/>
+                <a:ext cx="422090" cy="422090"/>
+              </a:xfrm>
+              <a:prstGeom prst="ellipse">
+                <a:avLst/>
+              </a:prstGeom>
+              <a:solidFill>
+                <a:srgbClr val="83AAD7"/>
+              </a:solidFill>
+              <a:ln w="12700" cap="flat">
+                <a:noFill/>
+                <a:miter lim="400000"/>
+              </a:ln>
+              <a:effectLst/>
+            </p:spPr>
+            <p:txBody>
+              <a:bodyPr wrap="square" lIns="54570" tIns="54570" rIns="54570" bIns="54570" numCol="1" anchor="ctr">
+                <a:noAutofit/>
+              </a:bodyPr>
+              <a:lstStyle/>
+              <a:p>
+                <a:pPr>
+                  <a:lnSpc>
+                    <a:spcPct val="80000"/>
+                  </a:lnSpc>
+                  <a:spcBef>
+                    <a:spcPts val="0"/>
+                  </a:spcBef>
+                  <a:defRPr b="0">
+                    <a:solidFill>
+                      <a:srgbClr val="000000"/>
+                    </a:solidFill>
+                  </a:defRPr>
+                </a:pPr>
+              </a:p>
+            </p:txBody>
+          </p:sp>
+          <p:sp>
+            <p:nvSpPr>
+              <p:cNvPr id="125" name="Circle"/>
+              <p:cNvSpPr/>
+              <p:nvPr/>
+            </p:nvSpPr>
+            <p:spPr>
+              <a:xfrm flipH="1">
+                <a:off x="3843763" y="2168082"/>
+                <a:ext cx="422090" cy="422090"/>
+              </a:xfrm>
+              <a:prstGeom prst="ellipse">
+                <a:avLst/>
+              </a:prstGeom>
+              <a:solidFill>
+                <a:srgbClr val="B6D5F0"/>
+              </a:solidFill>
+              <a:ln w="12700" cap="flat">
+                <a:noFill/>
+                <a:miter lim="400000"/>
+              </a:ln>
+              <a:effectLst/>
+            </p:spPr>
+            <p:txBody>
+              <a:bodyPr wrap="square" lIns="54570" tIns="54570" rIns="54570" bIns="54570" numCol="1" anchor="ctr">
+                <a:noAutofit/>
+              </a:bodyPr>
+              <a:lstStyle/>
+              <a:p>
+                <a:pPr>
+                  <a:lnSpc>
+                    <a:spcPct val="80000"/>
+                  </a:lnSpc>
+                  <a:spcBef>
+                    <a:spcPts val="0"/>
+                  </a:spcBef>
+                  <a:defRPr b="0">
+                    <a:solidFill>
+                      <a:srgbClr val="000000"/>
+                    </a:solidFill>
+                  </a:defRPr>
+                </a:pPr>
+              </a:p>
+            </p:txBody>
+          </p:sp>
+          <p:sp>
+            <p:nvSpPr>
+              <p:cNvPr id="126" name="Triangle"/>
+              <p:cNvSpPr/>
+              <p:nvPr/>
+            </p:nvSpPr>
+            <p:spPr>
+              <a:xfrm rot="1800000">
+                <a:off x="3470359" y="312963"/>
+                <a:ext cx="1319509" cy="1143861"/>
+              </a:xfrm>
+              <a:prstGeom prst="triangle">
+                <a:avLst/>
+              </a:prstGeom>
+              <a:solidFill>
+                <a:srgbClr val="83AAD7"/>
+              </a:solidFill>
+              <a:ln w="6350" cap="flat">
+                <a:solidFill>
+                  <a:srgbClr val="83AAD7"/>
+                </a:solidFill>
+                <a:prstDash val="solid"/>
+                <a:miter lim="400000"/>
+              </a:ln>
+              <a:effectLst/>
+            </p:spPr>
+            <p:txBody>
+              <a:bodyPr wrap="square" lIns="54570" tIns="54570" rIns="54570" bIns="54570" numCol="1" anchor="ctr">
+                <a:noAutofit/>
+              </a:bodyPr>
+              <a:lstStyle/>
+              <a:p>
+                <a:pPr>
+                  <a:lnSpc>
+                    <a:spcPct val="80000"/>
+                  </a:lnSpc>
+                  <a:spcBef>
+                    <a:spcPts val="0"/>
+                  </a:spcBef>
+                  <a:defRPr b="0">
+                    <a:solidFill>
+                      <a:srgbClr val="000000"/>
+                    </a:solidFill>
+                  </a:defRPr>
+                </a:pPr>
+              </a:p>
+            </p:txBody>
+          </p:sp>
+          <p:sp>
+            <p:nvSpPr>
+              <p:cNvPr id="127" name="Circle"/>
+              <p:cNvSpPr/>
+              <p:nvPr/>
+            </p:nvSpPr>
+            <p:spPr>
+              <a:xfrm flipH="1">
+                <a:off x="3843763" y="847036"/>
+                <a:ext cx="422090" cy="422090"/>
+              </a:xfrm>
+              <a:prstGeom prst="ellipse">
+                <a:avLst/>
+              </a:prstGeom>
+              <a:solidFill>
+                <a:srgbClr val="B6D5F0"/>
+              </a:solidFill>
+              <a:ln w="12700" cap="flat">
+                <a:noFill/>
+                <a:miter lim="400000"/>
+              </a:ln>
+              <a:effectLst/>
+            </p:spPr>
+            <p:txBody>
+              <a:bodyPr wrap="square" lIns="54570" tIns="54570" rIns="54570" bIns="54570" numCol="1" anchor="ctr">
+                <a:noAutofit/>
+              </a:bodyPr>
+              <a:lstStyle/>
+              <a:p>
+                <a:pPr>
+                  <a:lnSpc>
+                    <a:spcPct val="80000"/>
+                  </a:lnSpc>
+                  <a:spcBef>
+                    <a:spcPts val="0"/>
+                  </a:spcBef>
+                  <a:defRPr b="0">
+                    <a:solidFill>
+                      <a:srgbClr val="000000"/>
+                    </a:solidFill>
+                  </a:defRPr>
+                </a:pPr>
+              </a:p>
+            </p:txBody>
+          </p:sp>
+          <p:sp>
+            <p:nvSpPr>
+              <p:cNvPr id="128" name="Triangle"/>
+              <p:cNvSpPr/>
+              <p:nvPr/>
+            </p:nvSpPr>
+            <p:spPr>
+              <a:xfrm rot="19800000">
+                <a:off x="4044130" y="318647"/>
+                <a:ext cx="1319509" cy="1143861"/>
+              </a:xfrm>
+              <a:prstGeom prst="triangle">
+                <a:avLst/>
+              </a:prstGeom>
+              <a:solidFill>
+                <a:srgbClr val="B6D5F0"/>
+              </a:solidFill>
+              <a:ln w="6350" cap="flat">
+                <a:solidFill>
+                  <a:srgbClr val="BBD4ED"/>
+                </a:solidFill>
+                <a:prstDash val="solid"/>
+                <a:miter lim="400000"/>
+              </a:ln>
+              <a:effectLst/>
+            </p:spPr>
+            <p:txBody>
+              <a:bodyPr wrap="square" lIns="54570" tIns="54570" rIns="54570" bIns="54570" numCol="1" anchor="ctr">
+                <a:noAutofit/>
+              </a:bodyPr>
+              <a:lstStyle/>
+              <a:p>
+                <a:pPr>
+                  <a:lnSpc>
+                    <a:spcPct val="80000"/>
+                  </a:lnSpc>
+                  <a:spcBef>
+                    <a:spcPts val="0"/>
+                  </a:spcBef>
+                  <a:defRPr b="0">
+                    <a:solidFill>
+                      <a:srgbClr val="000000"/>
+                    </a:solidFill>
+                  </a:defRPr>
+                </a:pPr>
+              </a:p>
+            </p:txBody>
+          </p:sp>
+          <p:sp>
+            <p:nvSpPr>
+              <p:cNvPr id="129" name="Circle"/>
+              <p:cNvSpPr/>
+              <p:nvPr/>
+            </p:nvSpPr>
+            <p:spPr>
+              <a:xfrm flipH="1">
+                <a:off x="4608178" y="852720"/>
+                <a:ext cx="422090" cy="422090"/>
+              </a:xfrm>
+              <a:prstGeom prst="ellipse">
+                <a:avLst/>
+              </a:prstGeom>
+              <a:solidFill>
+                <a:srgbClr val="83AAD7"/>
+              </a:solidFill>
+              <a:ln w="12700" cap="flat">
+                <a:noFill/>
+                <a:miter lim="400000"/>
+              </a:ln>
+              <a:effectLst/>
+            </p:spPr>
+            <p:txBody>
+              <a:bodyPr wrap="square" lIns="54570" tIns="54570" rIns="54570" bIns="54570" numCol="1" anchor="ctr">
+                <a:noAutofit/>
+              </a:bodyPr>
+              <a:lstStyle/>
+              <a:p>
+                <a:pPr>
+                  <a:lnSpc>
+                    <a:spcPct val="80000"/>
+                  </a:lnSpc>
+                  <a:spcBef>
+                    <a:spcPts val="0"/>
+                  </a:spcBef>
+                  <a:defRPr b="0">
+                    <a:solidFill>
+                      <a:srgbClr val="000000"/>
+                    </a:solidFill>
+                  </a:defRPr>
+                </a:pPr>
+              </a:p>
+            </p:txBody>
+          </p:sp>
+          <p:sp>
+            <p:nvSpPr>
+              <p:cNvPr id="130" name="Triangle"/>
+              <p:cNvSpPr/>
+              <p:nvPr/>
+            </p:nvSpPr>
+            <p:spPr>
+              <a:xfrm rot="1800000">
+                <a:off x="4617515" y="979268"/>
+                <a:ext cx="1319509" cy="1143861"/>
+              </a:xfrm>
+              <a:prstGeom prst="triangle">
+                <a:avLst/>
+              </a:prstGeom>
+              <a:solidFill>
+                <a:srgbClr val="83AAD7"/>
+              </a:solidFill>
+              <a:ln w="6350" cap="flat">
+                <a:solidFill>
+                  <a:srgbClr val="83AAD7"/>
+                </a:solidFill>
+                <a:prstDash val="solid"/>
+                <a:miter lim="400000"/>
+              </a:ln>
+              <a:effectLst/>
+            </p:spPr>
+            <p:txBody>
+              <a:bodyPr wrap="square" lIns="54570" tIns="54570" rIns="54570" bIns="54570" numCol="1" anchor="ctr">
+                <a:noAutofit/>
+              </a:bodyPr>
+              <a:lstStyle/>
+              <a:p>
+                <a:pPr>
+                  <a:lnSpc>
+                    <a:spcPct val="80000"/>
+                  </a:lnSpc>
+                  <a:spcBef>
+                    <a:spcPts val="0"/>
+                  </a:spcBef>
+                  <a:defRPr b="0">
+                    <a:solidFill>
+                      <a:srgbClr val="000000"/>
+                    </a:solidFill>
+                  </a:defRPr>
+                </a:pPr>
+              </a:p>
+            </p:txBody>
+          </p:sp>
+          <p:sp>
+            <p:nvSpPr>
+              <p:cNvPr id="131" name="Circle"/>
+              <p:cNvSpPr/>
+              <p:nvPr/>
+            </p:nvSpPr>
+            <p:spPr>
+              <a:xfrm flipH="1">
+                <a:off x="4990920" y="1513341"/>
+                <a:ext cx="422090" cy="422090"/>
+              </a:xfrm>
+              <a:prstGeom prst="ellipse">
+                <a:avLst/>
+              </a:prstGeom>
+              <a:solidFill>
+                <a:srgbClr val="B6D5F0"/>
+              </a:solidFill>
+              <a:ln w="12700" cap="flat">
+                <a:noFill/>
+                <a:miter lim="400000"/>
+              </a:ln>
+              <a:effectLst/>
+            </p:spPr>
+            <p:txBody>
+              <a:bodyPr wrap="square" lIns="54570" tIns="54570" rIns="54570" bIns="54570" numCol="1" anchor="ctr">
+                <a:noAutofit/>
+              </a:bodyPr>
+              <a:lstStyle/>
+              <a:p>
+                <a:pPr>
+                  <a:lnSpc>
+                    <a:spcPct val="80000"/>
+                  </a:lnSpc>
+                  <a:spcBef>
+                    <a:spcPts val="0"/>
+                  </a:spcBef>
+                  <a:defRPr b="0">
+                    <a:solidFill>
+                      <a:srgbClr val="000000"/>
+                    </a:solidFill>
+                  </a:defRPr>
+                </a:pPr>
+              </a:p>
+            </p:txBody>
+          </p:sp>
+          <p:sp>
+            <p:nvSpPr>
+              <p:cNvPr id="132" name="Triangle"/>
+              <p:cNvSpPr/>
+              <p:nvPr/>
+            </p:nvSpPr>
+            <p:spPr>
+              <a:xfrm rot="19800000">
+                <a:off x="1751148" y="309969"/>
+                <a:ext cx="1319510" cy="1143860"/>
+              </a:xfrm>
+              <a:prstGeom prst="triangle">
+                <a:avLst/>
+              </a:prstGeom>
+              <a:solidFill>
+                <a:srgbClr val="B6D5F0"/>
+              </a:solidFill>
+              <a:ln w="6350" cap="flat">
+                <a:solidFill>
+                  <a:srgbClr val="BBD4ED"/>
+                </a:solidFill>
+                <a:prstDash val="solid"/>
+                <a:miter lim="400000"/>
+              </a:ln>
+              <a:effectLst/>
+            </p:spPr>
+            <p:txBody>
+              <a:bodyPr wrap="square" lIns="54570" tIns="54570" rIns="54570" bIns="54570" numCol="1" anchor="ctr">
+                <a:noAutofit/>
+              </a:bodyPr>
+              <a:lstStyle/>
+              <a:p>
+                <a:pPr>
+                  <a:lnSpc>
+                    <a:spcPct val="80000"/>
+                  </a:lnSpc>
+                  <a:spcBef>
+                    <a:spcPts val="0"/>
+                  </a:spcBef>
+                  <a:defRPr b="0">
+                    <a:solidFill>
+                      <a:srgbClr val="000000"/>
+                    </a:solidFill>
+                  </a:defRPr>
+                </a:pPr>
+              </a:p>
+            </p:txBody>
+          </p:sp>
+          <p:sp>
+            <p:nvSpPr>
+              <p:cNvPr id="133" name="Circle"/>
+              <p:cNvSpPr/>
+              <p:nvPr/>
+            </p:nvSpPr>
+            <p:spPr>
+              <a:xfrm flipH="1">
+                <a:off x="2315196" y="844041"/>
+                <a:ext cx="422090" cy="422090"/>
+              </a:xfrm>
+              <a:prstGeom prst="ellipse">
+                <a:avLst/>
+              </a:prstGeom>
+              <a:solidFill>
+                <a:srgbClr val="83AAD7"/>
+              </a:solidFill>
+              <a:ln w="12700" cap="flat">
+                <a:noFill/>
+                <a:miter lim="400000"/>
+              </a:ln>
+              <a:effectLst/>
+            </p:spPr>
+            <p:txBody>
+              <a:bodyPr wrap="square" lIns="54570" tIns="54570" rIns="54570" bIns="54570" numCol="1" anchor="ctr">
+                <a:noAutofit/>
+              </a:bodyPr>
+              <a:lstStyle/>
+              <a:p>
+                <a:pPr>
+                  <a:lnSpc>
+                    <a:spcPct val="80000"/>
+                  </a:lnSpc>
+                  <a:spcBef>
+                    <a:spcPts val="0"/>
+                  </a:spcBef>
+                  <a:defRPr b="0">
+                    <a:solidFill>
+                      <a:srgbClr val="000000"/>
+                    </a:solidFill>
+                  </a:defRPr>
+                </a:pPr>
+              </a:p>
+            </p:txBody>
+          </p:sp>
+        </p:grpSp>
+        <p:sp>
+          <p:nvSpPr>
+            <p:cNvPr id="135" name="Rectangle"/>
+            <p:cNvSpPr/>
+            <p:nvPr/>
+          </p:nvSpPr>
+          <p:spPr>
+            <a:xfrm>
+              <a:off x="0" y="1038072"/>
+              <a:ext cx="5593304" cy="2566922"/>
+            </a:xfrm>
+            <a:prstGeom prst="rect">
+              <a:avLst/>
+            </a:prstGeom>
+            <a:gradFill flip="none" rotWithShape="1">
+              <a:gsLst>
+                <a:gs pos="0">
+                  <a:srgbClr val="FFFFFF">
+                    <a:alpha val="0"/>
+                  </a:srgbClr>
+                </a:gs>
+                <a:gs pos="20382">
+                  <a:srgbClr val="FFFFFF">
+                    <a:alpha val="45796"/>
+                  </a:srgbClr>
+                </a:gs>
+                <a:gs pos="35803">
+                  <a:srgbClr val="FFFFFF">
+                    <a:alpha val="72898"/>
+                  </a:srgbClr>
+                </a:gs>
+                <a:gs pos="55434">
+                  <a:srgbClr val="FFFFFF"/>
+                </a:gs>
+              </a:gsLst>
+              <a:path path="shape">
+                <a:fillToRect l="52462" t="-2372" r="47537" b="102372"/>
+              </a:path>
+            </a:gradFill>
+            <a:ln w="12700" cap="flat">
+              <a:noFill/>
+              <a:miter lim="400000"/>
+            </a:ln>
+            <a:effectLst/>
+          </p:spPr>
+          <p:txBody>
+            <a:bodyPr wrap="square" lIns="54570" tIns="54570" rIns="54570" bIns="54570" numCol="1" anchor="ctr">
+              <a:noAutofit/>
+            </a:bodyPr>
+            <a:lstStyle/>
+            <a:p>
+              <a:pPr>
+                <a:lnSpc>
+                  <a:spcPct val="80000"/>
+                </a:lnSpc>
+                <a:spcBef>
+                  <a:spcPts val="0"/>
+                </a:spcBef>
+                <a:defRPr b="0">
+                  <a:solidFill>
+                    <a:srgbClr val="000000"/>
+                  </a:solidFill>
+                </a:defRPr>
+              </a:pPr>
+            </a:p>
+          </p:txBody>
+        </p:sp>
+      </p:grpSp>
       <p:sp>
         <p:nvSpPr>
-          <p:cNvPr id="119" name="Group"/>
+          <p:cNvPr id="137" name="Group"/>
           <p:cNvSpPr/>
           <p:nvPr/>
         </p:nvSpPr>
@@ -3032,38 +3827,9 @@
           </a:p>
         </p:txBody>
       </p:sp>
-      <p:pic>
-        <p:nvPicPr>
-          <p:cNvPr id="120" name="Image" descr="Image"/>
-          <p:cNvPicPr>
-            <a:picLocks noChangeAspect="1"/>
-          </p:cNvPicPr>
-          <p:nvPr/>
-        </p:nvPicPr>
-        <p:blipFill>
-          <a:blip r:embed="rId2">
-            <a:extLst/>
-          </a:blip>
-          <a:stretch>
-            <a:fillRect/>
-          </a:stretch>
-        </p:blipFill>
-        <p:spPr>
-          <a:xfrm>
-            <a:off x="8369105" y="-684523"/>
-            <a:ext cx="5603817" cy="2992964"/>
-          </a:xfrm>
-          <a:prstGeom prst="rect">
-            <a:avLst/>
-          </a:prstGeom>
-          <a:ln w="12700">
-            <a:miter lim="400000"/>
-          </a:ln>
-        </p:spPr>
-      </p:pic>
       <p:sp>
         <p:nvSpPr>
-          <p:cNvPr id="121" name="RStudio IDE : : CHEAT SHEET"/>
+          <p:cNvPr id="138" name="RStudio IDE : : CHEAT SHEET"/>
           <p:cNvSpPr txBox="1"/>
           <p:nvPr>
             <p:ph type="title"/>
@@ -3103,7 +3869,7 @@
       </p:sp>
       <p:sp>
         <p:nvSpPr>
-          <p:cNvPr id="122" name="Line"/>
+          <p:cNvPr id="139" name="Line"/>
           <p:cNvSpPr/>
           <p:nvPr/>
         </p:nvSpPr>
@@ -3144,7 +3910,7 @@
       </p:sp>
       <p:sp>
         <p:nvSpPr>
-          <p:cNvPr id="123" name="Line"/>
+          <p:cNvPr id="140" name="Line"/>
           <p:cNvSpPr/>
           <p:nvPr/>
         </p:nvSpPr>
@@ -3185,14 +3951,14 @@
       </p:sp>
       <p:pic>
         <p:nvPicPr>
-          <p:cNvPr id="124" name="Image" descr="Image"/>
+          <p:cNvPr id="141" name="Image" descr="Image"/>
           <p:cNvPicPr>
             <a:picLocks noChangeAspect="1"/>
           </p:cNvPicPr>
           <p:nvPr/>
         </p:nvPicPr>
         <p:blipFill>
-          <a:blip r:embed="rId3">
+          <a:blip r:embed="rId2">
             <a:extLst/>
           </a:blip>
           <a:stretch>
@@ -3214,7 +3980,7 @@
       </p:pic>
       <p:sp>
         <p:nvSpPr>
-          <p:cNvPr id="125" name="Write Code"/>
+          <p:cNvPr id="142" name="Write Code"/>
           <p:cNvSpPr txBox="1"/>
           <p:nvPr/>
         </p:nvSpPr>
@@ -3262,7 +4028,7 @@
       </p:sp>
       <p:sp>
         <p:nvSpPr>
-          <p:cNvPr id="126" name="Line"/>
+          <p:cNvPr id="143" name="Line"/>
           <p:cNvSpPr/>
           <p:nvPr/>
         </p:nvSpPr>
@@ -3303,7 +4069,7 @@
       </p:sp>
       <p:sp>
         <p:nvSpPr>
-          <p:cNvPr id="127" name="Pro Features"/>
+          <p:cNvPr id="144" name="Pro Features"/>
           <p:cNvSpPr txBox="1"/>
           <p:nvPr/>
         </p:nvSpPr>
@@ -3351,7 +4117,7 @@
       </p:sp>
       <p:sp>
         <p:nvSpPr>
-          <p:cNvPr id="128" name="Line"/>
+          <p:cNvPr id="145" name="Line"/>
           <p:cNvSpPr/>
           <p:nvPr/>
         </p:nvSpPr>
@@ -3392,14 +4158,14 @@
       </p:sp>
       <p:pic>
         <p:nvPicPr>
-          <p:cNvPr id="129" name="RStudio-Ball.png" descr="RStudio-Ball.png"/>
+          <p:cNvPr id="146" name="RStudio-Ball.png" descr="RStudio-Ball.png"/>
           <p:cNvPicPr>
             <a:picLocks noChangeAspect="1"/>
           </p:cNvPicPr>
           <p:nvPr/>
         </p:nvPicPr>
         <p:blipFill>
-          <a:blip r:embed="rId4">
+          <a:blip r:embed="rId3">
             <a:extLst/>
           </a:blip>
           <a:stretch>
@@ -3421,7 +4187,7 @@
       </p:pic>
       <p:sp>
         <p:nvSpPr>
-          <p:cNvPr id="130" name="RStudio® is a trademark of RStudio, Inc.  •  CC BY SA  RStudio •  info@rstudio.com  •  844-448-1212 • rstudio.com •  Learn more at www.rstudio.com  •  RStudio IDE  0.99.832  •  Updated: 2016-01"/>
+          <p:cNvPr id="147" name="RStudio® is a trademark of RStudio, Inc.  •  CC BY SA  RStudio •  info@rstudio.com  •  844-448-1212 • rstudio.com •  Learn more at www.rstudio.com  •  RStudio IDE  0.99.832  •  Updated: 2016-01"/>
           <p:cNvSpPr txBox="1"/>
           <p:nvPr/>
         </p:nvSpPr>
@@ -3466,7 +4232,7 @@
             </a:r>
             <a:r>
               <a:rPr>
-                <a:hlinkClick r:id="rId5" invalidUrl="" action="" tgtFrame="" tooltip="" history="1" highlightClick="0" endSnd="0"/>
+                <a:hlinkClick r:id="rId4" invalidUrl="" action="" tgtFrame="" tooltip="" history="1" highlightClick="0" endSnd="0"/>
               </a:rPr>
               <a:t>CC BY SA</a:t>
             </a:r>
@@ -3475,7 +4241,7 @@
             </a:r>
             <a:r>
               <a:rPr>
-                <a:hlinkClick r:id="rId6" invalidUrl="" action="" tgtFrame="" tooltip="" history="1" highlightClick="0" endSnd="0"/>
+                <a:hlinkClick r:id="rId5" invalidUrl="" action="" tgtFrame="" tooltip="" history="1" highlightClick="0" endSnd="0"/>
               </a:rPr>
               <a:t>info@rstudio.com</a:t>
             </a:r>
@@ -3484,7 +4250,7 @@
             </a:r>
             <a:r>
               <a:rPr>
-                <a:hlinkClick r:id="rId7" invalidUrl="" action="" tgtFrame="" tooltip="" history="1" highlightClick="0" endSnd="0"/>
+                <a:hlinkClick r:id="rId6" invalidUrl="" action="" tgtFrame="" tooltip="" history="1" highlightClick="0" endSnd="0"/>
               </a:rPr>
               <a:t>rstudio.com</a:t>
             </a:r>
@@ -3503,7 +4269,7 @@
       </p:sp>
       <p:grpSp>
         <p:nvGrpSpPr>
-          <p:cNvPr id="135" name="Group"/>
+          <p:cNvPr id="152" name="Group"/>
           <p:cNvGrpSpPr/>
           <p:nvPr/>
         </p:nvGrpSpPr>
@@ -3517,7 +4283,7 @@
         </p:grpSpPr>
         <p:grpSp>
           <p:nvGrpSpPr>
-            <p:cNvPr id="133" name="Group"/>
+            <p:cNvPr id="150" name="Group"/>
             <p:cNvGrpSpPr/>
             <p:nvPr/>
           </p:nvGrpSpPr>
@@ -3531,14 +4297,14 @@
           </p:grpSpPr>
           <p:pic>
             <p:nvPicPr>
-              <p:cNvPr id="131" name="Screen Shot 2015-12-28 at 12.05.41 PM.png" descr="Screen Shot 2015-12-28 at 12.05.41 PM.png"/>
+              <p:cNvPr id="148" name="Screen Shot 2015-12-28 at 12.05.41 PM.png" descr="Screen Shot 2015-12-28 at 12.05.41 PM.png"/>
               <p:cNvPicPr>
                 <a:picLocks noChangeAspect="1"/>
               </p:cNvPicPr>
               <p:nvPr/>
             </p:nvPicPr>
             <p:blipFill>
-              <a:blip r:embed="rId8">
+              <a:blip r:embed="rId7">
                 <a:extLst/>
               </a:blip>
               <a:srcRect l="0" t="0" r="0" b="0"/>
@@ -3572,7 +4338,7 @@
           </p:pic>
           <p:sp>
             <p:nvSpPr>
-              <p:cNvPr id="132" name="Rectangle"/>
+              <p:cNvPr id="149" name="Rectangle"/>
               <p:cNvSpPr/>
               <p:nvPr/>
             </p:nvSpPr>
@@ -3618,7 +4384,7 @@
         </p:grpSp>
         <p:sp>
           <p:nvSpPr>
-            <p:cNvPr id="134" name="Rectangle"/>
+            <p:cNvPr id="151" name="Rectangle"/>
             <p:cNvSpPr/>
             <p:nvPr/>
           </p:nvSpPr>
@@ -3664,14 +4430,14 @@
       </p:grpSp>
       <p:pic>
         <p:nvPicPr>
-          <p:cNvPr id="136" name="RStudio_Hex_rmarkdown.png" descr="RStudio_Hex_rmarkdown.png"/>
+          <p:cNvPr id="153" name="RStudio_Hex_rmarkdown.png" descr="RStudio_Hex_rmarkdown.png"/>
           <p:cNvPicPr>
             <a:picLocks noChangeAspect="1"/>
           </p:cNvPicPr>
           <p:nvPr/>
         </p:nvPicPr>
         <p:blipFill>
-          <a:blip r:embed="rId9">
+          <a:blip r:embed="rId8">
             <a:extLst/>
           </a:blip>
           <a:srcRect l="0" t="0" r="0" b="0"/>
@@ -3694,7 +4460,7 @@
       </p:pic>
       <p:grpSp>
         <p:nvGrpSpPr>
-          <p:cNvPr id="150" name="Group"/>
+          <p:cNvPr id="167" name="Group"/>
           <p:cNvGrpSpPr/>
           <p:nvPr/>
         </p:nvGrpSpPr>
@@ -3708,14 +4474,14 @@
         </p:grpSpPr>
         <p:pic>
           <p:nvPicPr>
-            <p:cNvPr id="137" name="Screen Shot 2015-12-28 at 4.44.06 PM.png" descr="Screen Shot 2015-12-28 at 4.44.06 PM.png"/>
+            <p:cNvPr id="154" name="Screen Shot 2015-12-28 at 4.44.06 PM.png" descr="Screen Shot 2015-12-28 at 4.44.06 PM.png"/>
             <p:cNvPicPr>
               <a:picLocks noChangeAspect="1"/>
             </p:cNvPicPr>
             <p:nvPr/>
           </p:nvPicPr>
           <p:blipFill>
-            <a:blip r:embed="rId10">
+            <a:blip r:embed="rId9">
               <a:extLst/>
             </a:blip>
             <a:srcRect l="0" t="0" r="0" b="0"/>
@@ -3743,7 +4509,7 @@
         </p:pic>
         <p:grpSp>
           <p:nvGrpSpPr>
-            <p:cNvPr id="147" name="Group"/>
+            <p:cNvPr id="164" name="Group"/>
             <p:cNvGrpSpPr/>
             <p:nvPr/>
           </p:nvGrpSpPr>
@@ -3757,7 +4523,7 @@
           </p:grpSpPr>
           <p:sp>
             <p:nvSpPr>
-              <p:cNvPr id="138" name="Rectangle"/>
+              <p:cNvPr id="155" name="Rectangle"/>
               <p:cNvSpPr/>
               <p:nvPr/>
             </p:nvSpPr>
@@ -3813,7 +4579,7 @@
           </p:sp>
           <p:sp>
             <p:nvSpPr>
-              <p:cNvPr id="139" name="Rectangle"/>
+              <p:cNvPr id="156" name="Rectangle"/>
               <p:cNvSpPr/>
               <p:nvPr/>
             </p:nvSpPr>
@@ -3869,7 +4635,7 @@
           </p:sp>
           <p:sp>
             <p:nvSpPr>
-              <p:cNvPr id="140" name="Rectangle"/>
+              <p:cNvPr id="157" name="Rectangle"/>
               <p:cNvSpPr/>
               <p:nvPr/>
             </p:nvSpPr>
@@ -3925,7 +4691,7 @@
           </p:sp>
           <p:sp>
             <p:nvSpPr>
-              <p:cNvPr id="141" name="Triangle"/>
+              <p:cNvPr id="158" name="Triangle"/>
               <p:cNvSpPr/>
               <p:nvPr/>
             </p:nvSpPr>
@@ -4012,7 +4778,7 @@
           </p:sp>
           <p:sp>
             <p:nvSpPr>
-              <p:cNvPr id="142" name="Rectangle"/>
+              <p:cNvPr id="159" name="Rectangle"/>
               <p:cNvSpPr/>
               <p:nvPr/>
             </p:nvSpPr>
@@ -4068,7 +4834,7 @@
           </p:sp>
           <p:sp>
             <p:nvSpPr>
-              <p:cNvPr id="143" name="Triangle"/>
+              <p:cNvPr id="160" name="Triangle"/>
               <p:cNvSpPr/>
               <p:nvPr/>
             </p:nvSpPr>
@@ -4163,7 +4929,7 @@
           </p:sp>
           <p:sp>
             <p:nvSpPr>
-              <p:cNvPr id="144" name="Triangle"/>
+              <p:cNvPr id="161" name="Triangle"/>
               <p:cNvSpPr/>
               <p:nvPr/>
             </p:nvSpPr>
@@ -4258,7 +5024,7 @@
           </p:sp>
           <p:sp>
             <p:nvSpPr>
-              <p:cNvPr id="145" name="Triangle"/>
+              <p:cNvPr id="162" name="Triangle"/>
               <p:cNvSpPr/>
               <p:nvPr/>
             </p:nvSpPr>
@@ -4345,7 +5111,7 @@
           </p:sp>
           <p:sp>
             <p:nvSpPr>
-              <p:cNvPr id="146" name="Triangle"/>
+              <p:cNvPr id="163" name="Triangle"/>
               <p:cNvSpPr/>
               <p:nvPr/>
             </p:nvSpPr>
@@ -4433,7 +5199,7 @@
         </p:grpSp>
         <p:sp>
           <p:nvSpPr>
-            <p:cNvPr id="148" name="Turn project into package,…"/>
+            <p:cNvPr id="165" name="Turn project into package,…"/>
             <p:cNvSpPr txBox="1"/>
             <p:nvPr/>
           </p:nvSpPr>
@@ -4559,7 +5325,7 @@
         </p:sp>
         <p:sp>
           <p:nvSpPr>
-            <p:cNvPr id="149" name="Roxygen guide at…"/>
+            <p:cNvPr id="166" name="Roxygen guide at…"/>
             <p:cNvSpPr txBox="1"/>
             <p:nvPr/>
           </p:nvSpPr>
@@ -4657,7 +5423,7 @@
       </p:grpSp>
       <p:sp>
         <p:nvSpPr>
-          <p:cNvPr id="151" name="File &gt; New Project &gt;…"/>
+          <p:cNvPr id="168" name="File &gt; New Project &gt;…"/>
           <p:cNvSpPr txBox="1"/>
           <p:nvPr/>
         </p:nvSpPr>
@@ -4761,7 +5527,7 @@
       </p:sp>
       <p:grpSp>
         <p:nvGrpSpPr>
-          <p:cNvPr id="169" name="Group"/>
+          <p:cNvPr id="186" name="Group"/>
           <p:cNvGrpSpPr/>
           <p:nvPr/>
         </p:nvGrpSpPr>
@@ -4775,7 +5541,7 @@
         </p:grpSpPr>
         <p:sp>
           <p:nvSpPr>
-            <p:cNvPr id="152" name="Share Project with Collaborators"/>
+            <p:cNvPr id="169" name="Share Project with Collaborators"/>
             <p:cNvSpPr txBox="1"/>
             <p:nvPr/>
           </p:nvSpPr>
@@ -4846,7 +5612,7 @@
         </p:sp>
         <p:sp>
           <p:nvSpPr>
-            <p:cNvPr id="153" name="Active shared collaborators"/>
+            <p:cNvPr id="170" name="Active shared collaborators"/>
             <p:cNvSpPr txBox="1"/>
             <p:nvPr/>
           </p:nvSpPr>
@@ -4910,7 +5676,7 @@
         </p:sp>
         <p:sp>
           <p:nvSpPr>
-            <p:cNvPr id="154" name="Select…"/>
+            <p:cNvPr id="171" name="Select…"/>
             <p:cNvSpPr txBox="1"/>
             <p:nvPr/>
           </p:nvSpPr>
@@ -4993,7 +5759,7 @@
         </p:sp>
         <p:sp>
           <p:nvSpPr>
-            <p:cNvPr id="155" name="Start new R Session in current  project"/>
+            <p:cNvPr id="172" name="Start new R Session in current  project"/>
             <p:cNvSpPr txBox="1"/>
             <p:nvPr/>
           </p:nvSpPr>
@@ -5067,7 +5833,7 @@
         </p:sp>
         <p:sp>
           <p:nvSpPr>
-            <p:cNvPr id="156" name="Close R Session in project"/>
+            <p:cNvPr id="173" name="Close R Session in project"/>
             <p:cNvSpPr txBox="1"/>
             <p:nvPr/>
           </p:nvSpPr>
@@ -5131,7 +5897,7 @@
         </p:sp>
         <p:grpSp>
           <p:nvGrpSpPr>
-            <p:cNvPr id="160" name="Group"/>
+            <p:cNvPr id="177" name="Group"/>
             <p:cNvGrpSpPr/>
             <p:nvPr/>
           </p:nvGrpSpPr>
@@ -5145,14 +5911,14 @@
           </p:grpSpPr>
           <p:pic>
             <p:nvPicPr>
-              <p:cNvPr id="157" name="Screen Shot 2015-12-24 at 9.06.41 AM.png" descr="Screen Shot 2015-12-24 at 9.06.41 AM.png"/>
+              <p:cNvPr id="174" name="Screen Shot 2015-12-24 at 9.06.41 AM.png" descr="Screen Shot 2015-12-24 at 9.06.41 AM.png"/>
               <p:cNvPicPr>
                 <a:picLocks noChangeAspect="1"/>
               </p:cNvPicPr>
               <p:nvPr/>
             </p:nvPicPr>
             <p:blipFill>
-              <a:blip r:embed="rId11">
+              <a:blip r:embed="rId10">
                 <a:extLst/>
               </a:blip>
               <a:srcRect l="73134" t="10784" r="5415" b="83325"/>
@@ -5180,14 +5946,14 @@
           </p:pic>
           <p:pic>
             <p:nvPicPr>
-              <p:cNvPr id="158" name="Screen Shot 2015-12-24 at 9.13.10 AM.png" descr="Screen Shot 2015-12-24 at 9.13.10 AM.png"/>
+              <p:cNvPr id="175" name="Screen Shot 2015-12-24 at 9.13.10 AM.png" descr="Screen Shot 2015-12-24 at 9.13.10 AM.png"/>
               <p:cNvPicPr>
                 <a:picLocks noChangeAspect="1"/>
               </p:cNvPicPr>
               <p:nvPr/>
             </p:nvPicPr>
             <p:blipFill>
-              <a:blip r:embed="rId12">
+              <a:blip r:embed="rId11">
                 <a:extLst/>
               </a:blip>
               <a:srcRect l="0" t="0" r="0" b="0"/>
@@ -5215,14 +5981,14 @@
           </p:pic>
           <p:pic>
             <p:nvPicPr>
-              <p:cNvPr id="159" name="Screen Shot 2015-12-24 at 9.12.51 AM.png" descr="Screen Shot 2015-12-24 at 9.12.51 AM.png"/>
+              <p:cNvPr id="176" name="Screen Shot 2015-12-24 at 9.12.51 AM.png" descr="Screen Shot 2015-12-24 at 9.12.51 AM.png"/>
               <p:cNvPicPr>
                 <a:picLocks noChangeAspect="1"/>
               </p:cNvPicPr>
               <p:nvPr/>
             </p:nvPicPr>
             <p:blipFill>
-              <a:blip r:embed="rId13">
+              <a:blip r:embed="rId12">
                 <a:extLst/>
               </a:blip>
               <a:srcRect l="0" t="0" r="0" b="0"/>
@@ -5251,7 +6017,7 @@
         </p:grpSp>
         <p:sp>
           <p:nvSpPr>
-            <p:cNvPr id="161" name="Line"/>
+            <p:cNvPr id="178" name="Line"/>
             <p:cNvSpPr/>
             <p:nvPr/>
           </p:nvSpPr>
@@ -5344,7 +6110,7 @@
         </p:sp>
         <p:sp>
           <p:nvSpPr>
-            <p:cNvPr id="162" name="J"/>
+            <p:cNvPr id="179" name="J"/>
             <p:cNvSpPr/>
             <p:nvPr/>
           </p:nvSpPr>
@@ -5405,7 +6171,7 @@
         </p:sp>
         <p:sp>
           <p:nvSpPr>
-            <p:cNvPr id="163" name="H"/>
+            <p:cNvPr id="180" name="H"/>
             <p:cNvSpPr/>
             <p:nvPr/>
           </p:nvSpPr>
@@ -5466,7 +6232,7 @@
         </p:sp>
         <p:sp>
           <p:nvSpPr>
-            <p:cNvPr id="164" name="T"/>
+            <p:cNvPr id="181" name="T"/>
             <p:cNvSpPr/>
             <p:nvPr/>
           </p:nvSpPr>
@@ -5523,7 +6289,7 @@
         </p:sp>
         <p:sp>
           <p:nvSpPr>
-            <p:cNvPr id="165" name="Line"/>
+            <p:cNvPr id="182" name="Line"/>
             <p:cNvSpPr/>
             <p:nvPr/>
           </p:nvSpPr>
@@ -5572,7 +6338,7 @@
         </p:sp>
         <p:sp>
           <p:nvSpPr>
-            <p:cNvPr id="166" name="Line"/>
+            <p:cNvPr id="183" name="Line"/>
             <p:cNvSpPr/>
             <p:nvPr/>
           </p:nvSpPr>
@@ -5621,7 +6387,7 @@
         </p:sp>
         <p:sp>
           <p:nvSpPr>
-            <p:cNvPr id="167" name="Line"/>
+            <p:cNvPr id="184" name="Line"/>
             <p:cNvSpPr/>
             <p:nvPr/>
           </p:nvSpPr>
@@ -5670,7 +6436,7 @@
         </p:sp>
         <p:sp>
           <p:nvSpPr>
-            <p:cNvPr id="168" name="Line"/>
+            <p:cNvPr id="185" name="Line"/>
             <p:cNvSpPr/>
             <p:nvPr/>
           </p:nvSpPr>
@@ -5720,7 +6486,7 @@
       </p:grpSp>
       <p:grpSp>
         <p:nvGrpSpPr>
-          <p:cNvPr id="173" name="Group"/>
+          <p:cNvPr id="190" name="Group"/>
           <p:cNvGrpSpPr/>
           <p:nvPr/>
         </p:nvGrpSpPr>
@@ -5734,7 +6500,7 @@
         </p:grpSpPr>
         <p:sp>
           <p:nvSpPr>
-            <p:cNvPr id="170" name="RStudio saves the call history, workspace, and working directory associated with a project. It reloads each when you re-open a project."/>
+            <p:cNvPr id="187" name="RStudio saves the call history, workspace, and working directory associated with a project. It reloads each when you re-open a project."/>
             <p:cNvSpPr txBox="1"/>
             <p:nvPr/>
           </p:nvSpPr>
@@ -5798,7 +6564,7 @@
         </p:sp>
         <p:sp>
           <p:nvSpPr>
-            <p:cNvPr id="171" name="Name of current project"/>
+            <p:cNvPr id="188" name="Name of current project"/>
             <p:cNvSpPr txBox="1"/>
             <p:nvPr/>
           </p:nvSpPr>
@@ -5862,7 +6628,7 @@
         </p:sp>
         <p:sp>
           <p:nvSpPr>
-            <p:cNvPr id="172" name="Line"/>
+            <p:cNvPr id="189" name="Line"/>
             <p:cNvSpPr/>
             <p:nvPr/>
           </p:nvSpPr>
@@ -5912,14 +6678,14 @@
       </p:grpSp>
       <p:pic>
         <p:nvPicPr>
-          <p:cNvPr id="174" name="Screen Shot 2015-12-28 at 3.05.51 PM.png" descr="Screen Shot 2015-12-28 at 3.05.51 PM.png"/>
+          <p:cNvPr id="191" name="Screen Shot 2015-12-28 at 3.05.51 PM.png" descr="Screen Shot 2015-12-28 at 3.05.51 PM.png"/>
           <p:cNvPicPr>
             <a:picLocks noChangeAspect="1"/>
           </p:cNvPicPr>
           <p:nvPr/>
         </p:nvPicPr>
         <p:blipFill>
-          <a:blip r:embed="rId14">
+          <a:blip r:embed="rId13">
             <a:extLst/>
           </a:blip>
           <a:srcRect l="0" t="0" r="0" b="0"/>
@@ -5945,7 +6711,7 @@
       </p:pic>
       <p:sp>
         <p:nvSpPr>
-          <p:cNvPr id="175" name="Rectangle"/>
+          <p:cNvPr id="192" name="Rectangle"/>
           <p:cNvSpPr/>
           <p:nvPr/>
         </p:nvSpPr>
@@ -5989,14 +6755,14 @@
       </p:sp>
       <p:pic>
         <p:nvPicPr>
-          <p:cNvPr id="176" name="Screen Shot 2015-12-28 at 1.57.10 PM.png" descr="Screen Shot 2015-12-28 at 1.57.10 PM.png"/>
+          <p:cNvPr id="193" name="Screen Shot 2015-12-28 at 1.57.10 PM.png" descr="Screen Shot 2015-12-28 at 1.57.10 PM.png"/>
           <p:cNvPicPr>
             <a:picLocks noChangeAspect="1"/>
           </p:cNvPicPr>
           <p:nvPr/>
         </p:nvPicPr>
         <p:blipFill>
-          <a:blip r:embed="rId15">
+          <a:blip r:embed="rId14">
             <a:extLst/>
           </a:blip>
           <a:stretch>
@@ -6021,14 +6787,14 @@
       </p:pic>
       <p:pic>
         <p:nvPicPr>
-          <p:cNvPr id="177" name="Screen Shot 2015-12-28 at 1.34.11 PM.png" descr="Screen Shot 2015-12-28 at 1.34.11 PM.png"/>
+          <p:cNvPr id="194" name="Screen Shot 2015-12-28 at 1.34.11 PM.png" descr="Screen Shot 2015-12-28 at 1.34.11 PM.png"/>
           <p:cNvPicPr>
             <a:picLocks noChangeAspect="1"/>
           </p:cNvPicPr>
           <p:nvPr/>
         </p:nvPicPr>
         <p:blipFill>
-          <a:blip r:embed="rId16">
+          <a:blip r:embed="rId15">
             <a:extLst/>
           </a:blip>
           <a:stretch>
@@ -6053,7 +6819,7 @@
       </p:pic>
       <p:sp>
         <p:nvSpPr>
-          <p:cNvPr id="178" name="Rectangle"/>
+          <p:cNvPr id="195" name="Rectangle"/>
           <p:cNvSpPr/>
           <p:nvPr/>
         </p:nvSpPr>
@@ -6094,14 +6860,14 @@
       </p:sp>
       <p:pic>
         <p:nvPicPr>
-          <p:cNvPr id="179" name="Screen Shot 2015-12-28 at 1.32.18 PM.png" descr="Screen Shot 2015-12-28 at 1.32.18 PM.png"/>
+          <p:cNvPr id="196" name="Screen Shot 2015-12-28 at 1.32.18 PM.png" descr="Screen Shot 2015-12-28 at 1.32.18 PM.png"/>
           <p:cNvPicPr>
             <a:picLocks noChangeAspect="1"/>
           </p:cNvPicPr>
           <p:nvPr/>
         </p:nvPicPr>
         <p:blipFill>
-          <a:blip r:embed="rId17">
+          <a:blip r:embed="rId16">
             <a:extLst/>
           </a:blip>
           <a:stretch>
@@ -6126,7 +6892,7 @@
       </p:pic>
       <p:sp>
         <p:nvSpPr>
-          <p:cNvPr id="180" name="Rectangle"/>
+          <p:cNvPr id="197" name="Rectangle"/>
           <p:cNvSpPr/>
           <p:nvPr/>
         </p:nvSpPr>
@@ -6170,7 +6936,7 @@
       </p:sp>
       <p:sp>
         <p:nvSpPr>
-          <p:cNvPr id="181" name="Rectangle"/>
+          <p:cNvPr id="198" name="Rectangle"/>
           <p:cNvSpPr/>
           <p:nvPr/>
         </p:nvSpPr>
@@ -6214,14 +6980,14 @@
       </p:sp>
       <p:pic>
         <p:nvPicPr>
-          <p:cNvPr id="182" name="Screen Shot 2015-12-28 at 1.28.41 PM.png" descr="Screen Shot 2015-12-28 at 1.28.41 PM.png"/>
+          <p:cNvPr id="199" name="Screen Shot 2015-12-28 at 1.28.41 PM.png" descr="Screen Shot 2015-12-28 at 1.28.41 PM.png"/>
           <p:cNvPicPr>
             <a:picLocks noChangeAspect="1"/>
           </p:cNvPicPr>
           <p:nvPr/>
         </p:nvPicPr>
         <p:blipFill>
-          <a:blip r:embed="rId18">
+          <a:blip r:embed="rId17">
             <a:extLst/>
           </a:blip>
           <a:stretch>
@@ -6246,7 +7012,7 @@
       </p:pic>
       <p:sp>
         <p:nvSpPr>
-          <p:cNvPr id="183" name="View(&lt;data&gt;) opens spreadsheet like view of data set"/>
+          <p:cNvPr id="200" name="View(&lt;data&gt;) opens spreadsheet like view of data set"/>
           <p:cNvSpPr txBox="1"/>
           <p:nvPr/>
         </p:nvSpPr>
@@ -6312,7 +7078,7 @@
       </p:sp>
       <p:sp>
         <p:nvSpPr>
-          <p:cNvPr id="184" name="Sort by values"/>
+          <p:cNvPr id="201" name="Sort by values"/>
           <p:cNvSpPr txBox="1"/>
           <p:nvPr/>
         </p:nvSpPr>
@@ -6371,7 +7137,7 @@
       </p:sp>
       <p:sp>
         <p:nvSpPr>
-          <p:cNvPr id="185" name="Filter rows by value or value range"/>
+          <p:cNvPr id="202" name="Filter rows by value or value range"/>
           <p:cNvSpPr txBox="1"/>
           <p:nvPr/>
         </p:nvSpPr>
@@ -6430,7 +7196,7 @@
       </p:sp>
       <p:sp>
         <p:nvSpPr>
-          <p:cNvPr id="186" name="Search for value"/>
+          <p:cNvPr id="203" name="Search for value"/>
           <p:cNvSpPr txBox="1"/>
           <p:nvPr/>
         </p:nvSpPr>
@@ -6489,7 +7255,7 @@
       </p:sp>
       <p:sp>
         <p:nvSpPr>
-          <p:cNvPr id="187" name="Viewer Pane displays HTML content, such as Shiny apps, RMarkdown reports, and interactive visualizations"/>
+          <p:cNvPr id="204" name="Viewer Pane displays HTML content, such as Shiny apps, RMarkdown reports, and interactive visualizations"/>
           <p:cNvSpPr txBox="1"/>
           <p:nvPr/>
         </p:nvSpPr>
@@ -6548,7 +7314,7 @@
       </p:sp>
       <p:sp>
         <p:nvSpPr>
-          <p:cNvPr id="188" name="Stop Shiny app"/>
+          <p:cNvPr id="205" name="Stop Shiny app"/>
           <p:cNvSpPr txBox="1"/>
           <p:nvPr/>
         </p:nvSpPr>
@@ -6607,7 +7373,7 @@
       </p:sp>
       <p:sp>
         <p:nvSpPr>
-          <p:cNvPr id="189" name="Publish to shinyapps.io, rpubs, RSConnect, …"/>
+          <p:cNvPr id="206" name="Publish to shinyapps.io, rpubs, RSConnect, …"/>
           <p:cNvSpPr txBox="1"/>
           <p:nvPr/>
         </p:nvSpPr>
@@ -6666,7 +7432,7 @@
       </p:sp>
       <p:sp>
         <p:nvSpPr>
-          <p:cNvPr id="190" name="Refresh"/>
+          <p:cNvPr id="207" name="Refresh"/>
           <p:cNvSpPr txBox="1"/>
           <p:nvPr/>
         </p:nvSpPr>
@@ -6725,7 +7491,7 @@
       </p:sp>
       <p:sp>
         <p:nvSpPr>
-          <p:cNvPr id="191" name="RStudio opens documentation in a dedicated Help pane"/>
+          <p:cNvPr id="208" name="RStudio opens documentation in a dedicated Help pane"/>
           <p:cNvSpPr txBox="1"/>
           <p:nvPr/>
         </p:nvSpPr>
@@ -6784,7 +7550,7 @@
       </p:sp>
       <p:sp>
         <p:nvSpPr>
-          <p:cNvPr id="192" name="Home page of helpful links"/>
+          <p:cNvPr id="209" name="Home page of helpful links"/>
           <p:cNvSpPr txBox="1"/>
           <p:nvPr/>
         </p:nvSpPr>
@@ -6843,7 +7609,7 @@
       </p:sp>
       <p:sp>
         <p:nvSpPr>
-          <p:cNvPr id="193" name="Search within help file"/>
+          <p:cNvPr id="210" name="Search within help file"/>
           <p:cNvSpPr txBox="1"/>
           <p:nvPr/>
         </p:nvSpPr>
@@ -6902,7 +7668,7 @@
       </p:sp>
       <p:sp>
         <p:nvSpPr>
-          <p:cNvPr id="194" name="Search for help file"/>
+          <p:cNvPr id="211" name="Search for help file"/>
           <p:cNvSpPr txBox="1"/>
           <p:nvPr/>
         </p:nvSpPr>
@@ -6961,7 +7727,7 @@
       </p:sp>
       <p:sp>
         <p:nvSpPr>
-          <p:cNvPr id="195" name="GUI Package manager lists every installed package"/>
+          <p:cNvPr id="212" name="GUI Package manager lists every installed package"/>
           <p:cNvSpPr txBox="1"/>
           <p:nvPr/>
         </p:nvSpPr>
@@ -7020,7 +7786,7 @@
       </p:sp>
       <p:sp>
         <p:nvSpPr>
-          <p:cNvPr id="196" name="Click to load package with library(). Unclick to detach package with detach()"/>
+          <p:cNvPr id="213" name="Click to load package with library(). Unclick to detach package with detach()"/>
           <p:cNvSpPr txBox="1"/>
           <p:nvPr/>
         </p:nvSpPr>
@@ -7110,7 +7876,7 @@
       </p:sp>
       <p:sp>
         <p:nvSpPr>
-          <p:cNvPr id="197" name="Delete from library"/>
+          <p:cNvPr id="214" name="Delete from library"/>
           <p:cNvSpPr txBox="1"/>
           <p:nvPr/>
         </p:nvSpPr>
@@ -7169,7 +7935,7 @@
       </p:sp>
       <p:sp>
         <p:nvSpPr>
-          <p:cNvPr id="198" name="Install Packages"/>
+          <p:cNvPr id="215" name="Install Packages"/>
           <p:cNvSpPr txBox="1"/>
           <p:nvPr/>
         </p:nvSpPr>
@@ -7228,7 +7994,7 @@
       </p:sp>
       <p:sp>
         <p:nvSpPr>
-          <p:cNvPr id="199" name="Update Packages"/>
+          <p:cNvPr id="216" name="Update Packages"/>
           <p:cNvSpPr txBox="1"/>
           <p:nvPr/>
         </p:nvSpPr>
@@ -7287,7 +8053,7 @@
       </p:sp>
       <p:sp>
         <p:nvSpPr>
-          <p:cNvPr id="200" name="Create reproducible package library for your project"/>
+          <p:cNvPr id="217" name="Create reproducible package library for your project"/>
           <p:cNvSpPr txBox="1"/>
           <p:nvPr/>
         </p:nvSpPr>
@@ -7346,7 +8112,7 @@
       </p:sp>
       <p:sp>
         <p:nvSpPr>
-          <p:cNvPr id="201" name="RStudio opens plots in a dedicated Plots pane"/>
+          <p:cNvPr id="218" name="RStudio opens plots in a dedicated Plots pane"/>
           <p:cNvSpPr txBox="1"/>
           <p:nvPr/>
         </p:nvSpPr>
@@ -7405,7 +8171,7 @@
       </p:sp>
       <p:sp>
         <p:nvSpPr>
-          <p:cNvPr id="202" name="Navigate recent plots"/>
+          <p:cNvPr id="219" name="Navigate recent plots"/>
           <p:cNvSpPr txBox="1"/>
           <p:nvPr/>
         </p:nvSpPr>
@@ -7464,7 +8230,7 @@
       </p:sp>
       <p:sp>
         <p:nvSpPr>
-          <p:cNvPr id="203" name="Open in window"/>
+          <p:cNvPr id="220" name="Open in window"/>
           <p:cNvSpPr txBox="1"/>
           <p:nvPr/>
         </p:nvSpPr>
@@ -7523,7 +8289,7 @@
       </p:sp>
       <p:sp>
         <p:nvSpPr>
-          <p:cNvPr id="204" name="Export plot"/>
+          <p:cNvPr id="221" name="Export plot"/>
           <p:cNvSpPr txBox="1"/>
           <p:nvPr/>
         </p:nvSpPr>
@@ -7578,7 +8344,7 @@
       </p:sp>
       <p:sp>
         <p:nvSpPr>
-          <p:cNvPr id="205" name="Delete plot"/>
+          <p:cNvPr id="222" name="Delete plot"/>
           <p:cNvSpPr txBox="1"/>
           <p:nvPr/>
         </p:nvSpPr>
@@ -7637,7 +8403,7 @@
       </p:sp>
       <p:sp>
         <p:nvSpPr>
-          <p:cNvPr id="206" name="Delete all plots"/>
+          <p:cNvPr id="223" name="Delete all plots"/>
           <p:cNvSpPr txBox="1"/>
           <p:nvPr/>
         </p:nvSpPr>
@@ -7696,7 +8462,7 @@
       </p:sp>
       <p:sp>
         <p:nvSpPr>
-          <p:cNvPr id="207" name="Line"/>
+          <p:cNvPr id="224" name="Line"/>
           <p:cNvSpPr/>
           <p:nvPr/>
         </p:nvSpPr>
@@ -7740,7 +8506,7 @@
       </p:sp>
       <p:sp>
         <p:nvSpPr>
-          <p:cNvPr id="208" name="Line"/>
+          <p:cNvPr id="225" name="Line"/>
           <p:cNvSpPr/>
           <p:nvPr/>
         </p:nvSpPr>
@@ -7784,7 +8550,7 @@
       </p:sp>
       <p:sp>
         <p:nvSpPr>
-          <p:cNvPr id="209" name="Line"/>
+          <p:cNvPr id="226" name="Line"/>
           <p:cNvSpPr/>
           <p:nvPr/>
         </p:nvSpPr>
@@ -7828,7 +8594,7 @@
       </p:sp>
       <p:sp>
         <p:nvSpPr>
-          <p:cNvPr id="210" name="Line"/>
+          <p:cNvPr id="227" name="Line"/>
           <p:cNvSpPr/>
           <p:nvPr/>
         </p:nvSpPr>
@@ -7872,7 +8638,7 @@
       </p:sp>
       <p:sp>
         <p:nvSpPr>
-          <p:cNvPr id="211" name="Line"/>
+          <p:cNvPr id="228" name="Line"/>
           <p:cNvSpPr/>
           <p:nvPr/>
         </p:nvSpPr>
@@ -7916,14 +8682,14 @@
       </p:sp>
       <p:pic>
         <p:nvPicPr>
-          <p:cNvPr id="212" name="Screen Shot 2015-12-28 at 1.46.46 PM.png" descr="Screen Shot 2015-12-28 at 1.46.46 PM.png"/>
+          <p:cNvPr id="229" name="Screen Shot 2015-12-28 at 1.46.46 PM.png" descr="Screen Shot 2015-12-28 at 1.46.46 PM.png"/>
           <p:cNvPicPr>
             <a:picLocks noChangeAspect="1"/>
           </p:cNvPicPr>
           <p:nvPr/>
         </p:nvPicPr>
         <p:blipFill>
-          <a:blip r:embed="rId19">
+          <a:blip r:embed="rId18">
             <a:extLst/>
           </a:blip>
           <a:srcRect l="1580" t="0" r="1580" b="4498"/>
@@ -7946,7 +8712,7 @@
       </p:pic>
       <p:sp>
         <p:nvSpPr>
-          <p:cNvPr id="213" name="Package version installed"/>
+          <p:cNvPr id="230" name="Package version installed"/>
           <p:cNvSpPr txBox="1"/>
           <p:nvPr/>
         </p:nvSpPr>
@@ -8005,7 +8771,7 @@
       </p:sp>
       <p:sp>
         <p:nvSpPr>
-          <p:cNvPr id="214" name="Line"/>
+          <p:cNvPr id="231" name="Line"/>
           <p:cNvSpPr/>
           <p:nvPr/>
         </p:nvSpPr>
@@ -8049,7 +8815,7 @@
       </p:sp>
       <p:sp>
         <p:nvSpPr>
-          <p:cNvPr id="215" name="Line"/>
+          <p:cNvPr id="232" name="Line"/>
           <p:cNvSpPr/>
           <p:nvPr/>
         </p:nvSpPr>
@@ -8093,7 +8859,7 @@
       </p:sp>
       <p:sp>
         <p:nvSpPr>
-          <p:cNvPr id="216" name="Line"/>
+          <p:cNvPr id="233" name="Line"/>
           <p:cNvSpPr/>
           <p:nvPr/>
         </p:nvSpPr>
@@ -8137,7 +8903,7 @@
       </p:sp>
       <p:sp>
         <p:nvSpPr>
-          <p:cNvPr id="217" name="Line"/>
+          <p:cNvPr id="234" name="Line"/>
           <p:cNvSpPr/>
           <p:nvPr/>
         </p:nvSpPr>
@@ -8181,7 +8947,7 @@
       </p:sp>
       <p:sp>
         <p:nvSpPr>
-          <p:cNvPr id="218" name="Line"/>
+          <p:cNvPr id="235" name="Line"/>
           <p:cNvSpPr/>
           <p:nvPr/>
         </p:nvSpPr>
@@ -8225,7 +8991,7 @@
       </p:sp>
       <p:sp>
         <p:nvSpPr>
-          <p:cNvPr id="219" name="Line"/>
+          <p:cNvPr id="236" name="Line"/>
           <p:cNvSpPr/>
           <p:nvPr/>
         </p:nvSpPr>
@@ -8269,7 +9035,7 @@
       </p:sp>
       <p:sp>
         <p:nvSpPr>
-          <p:cNvPr id="220" name="Line"/>
+          <p:cNvPr id="237" name="Line"/>
           <p:cNvSpPr/>
           <p:nvPr/>
         </p:nvSpPr>
@@ -8313,7 +9079,7 @@
       </p:sp>
       <p:sp>
         <p:nvSpPr>
-          <p:cNvPr id="221" name="Line"/>
+          <p:cNvPr id="238" name="Line"/>
           <p:cNvSpPr/>
           <p:nvPr/>
         </p:nvSpPr>
@@ -8357,7 +9123,7 @@
       </p:sp>
       <p:sp>
         <p:nvSpPr>
-          <p:cNvPr id="222" name="Line"/>
+          <p:cNvPr id="239" name="Line"/>
           <p:cNvSpPr/>
           <p:nvPr/>
         </p:nvSpPr>
@@ -8401,7 +9167,7 @@
       </p:sp>
       <p:sp>
         <p:nvSpPr>
-          <p:cNvPr id="223" name="Line"/>
+          <p:cNvPr id="240" name="Line"/>
           <p:cNvSpPr/>
           <p:nvPr/>
         </p:nvSpPr>
@@ -8445,7 +9211,7 @@
       </p:sp>
       <p:sp>
         <p:nvSpPr>
-          <p:cNvPr id="224" name="Line"/>
+          <p:cNvPr id="241" name="Line"/>
           <p:cNvSpPr/>
           <p:nvPr/>
         </p:nvSpPr>
@@ -8489,7 +9255,7 @@
       </p:sp>
       <p:sp>
         <p:nvSpPr>
-          <p:cNvPr id="225" name="Line"/>
+          <p:cNvPr id="242" name="Line"/>
           <p:cNvSpPr/>
           <p:nvPr/>
         </p:nvSpPr>
@@ -8533,7 +9299,7 @@
       </p:sp>
       <p:sp>
         <p:nvSpPr>
-          <p:cNvPr id="226" name="Line"/>
+          <p:cNvPr id="243" name="Line"/>
           <p:cNvSpPr/>
           <p:nvPr/>
         </p:nvSpPr>
@@ -8577,7 +9343,7 @@
       </p:sp>
       <p:sp>
         <p:nvSpPr>
-          <p:cNvPr id="227" name="Line"/>
+          <p:cNvPr id="244" name="Line"/>
           <p:cNvSpPr/>
           <p:nvPr/>
         </p:nvSpPr>
@@ -8621,7 +9387,7 @@
       </p:sp>
       <p:sp>
         <p:nvSpPr>
-          <p:cNvPr id="228" name="Line"/>
+          <p:cNvPr id="245" name="Line"/>
           <p:cNvSpPr/>
           <p:nvPr/>
         </p:nvSpPr>
@@ -8665,7 +9431,7 @@
       </p:sp>
       <p:grpSp>
         <p:nvGrpSpPr>
-          <p:cNvPr id="257" name="Group"/>
+          <p:cNvPr id="274" name="Group"/>
           <p:cNvGrpSpPr/>
           <p:nvPr/>
         </p:nvGrpSpPr>
@@ -8679,14 +9445,14 @@
         </p:grpSpPr>
         <p:pic>
           <p:nvPicPr>
-            <p:cNvPr id="229" name="Screen Shot 2015-12-28 at 4.57.02 PM.png" descr="Screen Shot 2015-12-28 at 4.57.02 PM.png"/>
+            <p:cNvPr id="246" name="Screen Shot 2015-12-28 at 4.57.02 PM.png" descr="Screen Shot 2015-12-28 at 4.57.02 PM.png"/>
             <p:cNvPicPr>
               <a:picLocks noChangeAspect="1"/>
             </p:cNvPicPr>
             <p:nvPr/>
           </p:nvPicPr>
           <p:blipFill>
-            <a:blip r:embed="rId20">
+            <a:blip r:embed="rId19">
               <a:extLst/>
             </a:blip>
             <a:srcRect l="0" t="0" r="0" b="0"/>
@@ -8714,7 +9480,7 @@
         </p:pic>
         <p:sp>
           <p:nvSpPr>
-            <p:cNvPr id="230" name="Examine variables in executing environment"/>
+            <p:cNvPr id="247" name="Examine variables in executing environment"/>
             <p:cNvSpPr txBox="1"/>
             <p:nvPr/>
           </p:nvSpPr>
@@ -8778,7 +9544,7 @@
         </p:sp>
         <p:sp>
           <p:nvSpPr>
-            <p:cNvPr id="231" name="Open with debug(), browser(), or a breakpoint. RStudio will open the debugger mode when it encounters a breakpoint while executing code."/>
+            <p:cNvPr id="248" name="Open with debug(), browser(), or a breakpoint. RStudio will open the debugger mode when it encounters a breakpoint while executing code."/>
             <p:cNvSpPr txBox="1"/>
             <p:nvPr/>
           </p:nvSpPr>
@@ -8864,7 +9630,7 @@
         </p:sp>
         <p:sp>
           <p:nvSpPr>
-            <p:cNvPr id="232" name="Open traceback to examine the functions that R called before the error occurred"/>
+            <p:cNvPr id="249" name="Open traceback to examine the functions that R called before the error occurred"/>
             <p:cNvSpPr txBox="1"/>
             <p:nvPr/>
           </p:nvSpPr>
@@ -8928,7 +9694,7 @@
         </p:sp>
         <p:sp>
           <p:nvSpPr>
-            <p:cNvPr id="233" name="Launch debugger mode from origin of error"/>
+            <p:cNvPr id="250" name="Launch debugger mode from origin of error"/>
             <p:cNvSpPr txBox="1"/>
             <p:nvPr/>
           </p:nvSpPr>
@@ -8992,7 +9758,7 @@
         </p:sp>
         <p:sp>
           <p:nvSpPr>
-            <p:cNvPr id="234" name="Click next to line number to add/remove a breakpoint."/>
+            <p:cNvPr id="251" name="Click next to line number to add/remove a breakpoint."/>
             <p:cNvSpPr txBox="1"/>
             <p:nvPr/>
           </p:nvSpPr>
@@ -9056,7 +9822,7 @@
         </p:sp>
         <p:sp>
           <p:nvSpPr>
-            <p:cNvPr id="235" name="Select function in traceback to debug"/>
+            <p:cNvPr id="252" name="Select function in traceback to debug"/>
             <p:cNvSpPr txBox="1"/>
             <p:nvPr/>
           </p:nvSpPr>
@@ -9120,7 +9886,7 @@
         </p:sp>
         <p:sp>
           <p:nvSpPr>
-            <p:cNvPr id="236" name="Highlighted line shows where execution has paused"/>
+            <p:cNvPr id="253" name="Highlighted line shows where execution has paused"/>
             <p:cNvSpPr txBox="1"/>
             <p:nvPr/>
           </p:nvSpPr>
@@ -9184,7 +9950,7 @@
         </p:sp>
         <p:sp>
           <p:nvSpPr>
-            <p:cNvPr id="237" name="Run commands in environment where execution has paused"/>
+            <p:cNvPr id="254" name="Run commands in environment where execution has paused"/>
             <p:cNvSpPr txBox="1"/>
             <p:nvPr/>
           </p:nvSpPr>
@@ -9248,7 +10014,7 @@
         </p:sp>
         <p:sp>
           <p:nvSpPr>
-            <p:cNvPr id="238" name="Step through code one line at a time"/>
+            <p:cNvPr id="255" name="Step through code one line at a time"/>
             <p:cNvSpPr txBox="1"/>
             <p:nvPr/>
           </p:nvSpPr>
@@ -9312,7 +10078,7 @@
         </p:sp>
         <p:sp>
           <p:nvSpPr>
-            <p:cNvPr id="239" name="Step into and out of functions to run"/>
+            <p:cNvPr id="256" name="Step into and out of functions to run"/>
             <p:cNvSpPr txBox="1"/>
             <p:nvPr/>
           </p:nvSpPr>
@@ -9376,7 +10142,7 @@
         </p:sp>
         <p:sp>
           <p:nvSpPr>
-            <p:cNvPr id="240" name="Resume execution"/>
+            <p:cNvPr id="257" name="Resume execution"/>
             <p:cNvSpPr txBox="1"/>
             <p:nvPr/>
           </p:nvSpPr>
@@ -9440,7 +10206,7 @@
         </p:sp>
         <p:sp>
           <p:nvSpPr>
-            <p:cNvPr id="241" name="Quit debug mode"/>
+            <p:cNvPr id="258" name="Quit debug mode"/>
             <p:cNvSpPr txBox="1"/>
             <p:nvPr/>
           </p:nvSpPr>
@@ -9504,14 +10270,14 @@
         </p:sp>
         <p:pic>
           <p:nvPicPr>
-            <p:cNvPr id="242" name="Screen Shot 2015-12-28 at 4.51.15 PM.png" descr="Screen Shot 2015-12-28 at 4.51.15 PM.png"/>
+            <p:cNvPr id="259" name="Screen Shot 2015-12-28 at 4.51.15 PM.png" descr="Screen Shot 2015-12-28 at 4.51.15 PM.png"/>
             <p:cNvPicPr>
               <a:picLocks noChangeAspect="1"/>
             </p:cNvPicPr>
             <p:nvPr/>
           </p:nvPicPr>
           <p:blipFill>
-            <a:blip r:embed="rId21">
+            <a:blip r:embed="rId20">
               <a:extLst/>
             </a:blip>
             <a:srcRect l="0" t="0" r="0" b="0"/>
@@ -9539,14 +10305,14 @@
         </p:pic>
         <p:pic>
           <p:nvPicPr>
-            <p:cNvPr id="243" name="Screen Shot 2015-12-28 at 4.52.48 PM.png" descr="Screen Shot 2015-12-28 at 4.52.48 PM.png"/>
+            <p:cNvPr id="260" name="Screen Shot 2015-12-28 at 4.52.48 PM.png" descr="Screen Shot 2015-12-28 at 4.52.48 PM.png"/>
             <p:cNvPicPr>
               <a:picLocks noChangeAspect="1"/>
             </p:cNvPicPr>
             <p:nvPr/>
           </p:nvPicPr>
           <p:blipFill>
-            <a:blip r:embed="rId22">
+            <a:blip r:embed="rId21">
               <a:extLst/>
             </a:blip>
             <a:srcRect l="0" t="0" r="0" b="0"/>
@@ -9574,7 +10340,7 @@
         </p:pic>
         <p:sp>
           <p:nvSpPr>
-            <p:cNvPr id="244" name="Line"/>
+            <p:cNvPr id="261" name="Line"/>
             <p:cNvSpPr/>
             <p:nvPr/>
           </p:nvSpPr>
@@ -9623,7 +10389,7 @@
         </p:sp>
         <p:sp>
           <p:nvSpPr>
-            <p:cNvPr id="245" name="Line"/>
+            <p:cNvPr id="262" name="Line"/>
             <p:cNvSpPr/>
             <p:nvPr/>
           </p:nvSpPr>
@@ -9672,7 +10438,7 @@
         </p:sp>
         <p:sp>
           <p:nvSpPr>
-            <p:cNvPr id="246" name="Line"/>
+            <p:cNvPr id="263" name="Line"/>
             <p:cNvSpPr/>
             <p:nvPr/>
           </p:nvSpPr>
@@ -9721,7 +10487,7 @@
         </p:sp>
         <p:sp>
           <p:nvSpPr>
-            <p:cNvPr id="247" name="Line"/>
+            <p:cNvPr id="264" name="Line"/>
             <p:cNvSpPr/>
             <p:nvPr/>
           </p:nvSpPr>
@@ -9770,7 +10536,7 @@
         </p:sp>
         <p:sp>
           <p:nvSpPr>
-            <p:cNvPr id="248" name="Rectangle"/>
+            <p:cNvPr id="265" name="Rectangle"/>
             <p:cNvSpPr/>
             <p:nvPr/>
           </p:nvSpPr>
@@ -9818,7 +10584,7 @@
         </p:sp>
         <p:sp>
           <p:nvSpPr>
-            <p:cNvPr id="249" name="Line"/>
+            <p:cNvPr id="266" name="Line"/>
             <p:cNvSpPr/>
             <p:nvPr/>
           </p:nvSpPr>
@@ -9867,7 +10633,7 @@
         </p:sp>
         <p:sp>
           <p:nvSpPr>
-            <p:cNvPr id="250" name="Line"/>
+            <p:cNvPr id="267" name="Line"/>
             <p:cNvSpPr/>
             <p:nvPr/>
           </p:nvSpPr>
@@ -9916,7 +10682,7 @@
         </p:sp>
         <p:sp>
           <p:nvSpPr>
-            <p:cNvPr id="251" name="Line"/>
+            <p:cNvPr id="268" name="Line"/>
             <p:cNvSpPr/>
             <p:nvPr/>
           </p:nvSpPr>
@@ -9965,7 +10731,7 @@
         </p:sp>
         <p:sp>
           <p:nvSpPr>
-            <p:cNvPr id="252" name="Line"/>
+            <p:cNvPr id="269" name="Line"/>
             <p:cNvSpPr/>
             <p:nvPr/>
           </p:nvSpPr>
@@ -10014,7 +10780,7 @@
         </p:sp>
         <p:sp>
           <p:nvSpPr>
-            <p:cNvPr id="253" name="Line"/>
+            <p:cNvPr id="270" name="Line"/>
             <p:cNvSpPr/>
             <p:nvPr/>
           </p:nvSpPr>
@@ -10063,7 +10829,7 @@
         </p:sp>
         <p:sp>
           <p:nvSpPr>
-            <p:cNvPr id="254" name="Line"/>
+            <p:cNvPr id="271" name="Line"/>
             <p:cNvSpPr/>
             <p:nvPr/>
           </p:nvSpPr>
@@ -10112,7 +10878,7 @@
         </p:sp>
         <p:sp>
           <p:nvSpPr>
-            <p:cNvPr id="255" name="Line"/>
+            <p:cNvPr id="272" name="Line"/>
             <p:cNvSpPr/>
             <p:nvPr/>
           </p:nvSpPr>
@@ -10161,7 +10927,7 @@
         </p:sp>
         <p:sp>
           <p:nvSpPr>
-            <p:cNvPr id="256" name="Line"/>
+            <p:cNvPr id="273" name="Line"/>
             <p:cNvSpPr/>
             <p:nvPr/>
           </p:nvSpPr>
@@ -10211,7 +10977,7 @@
       </p:grpSp>
       <p:grpSp>
         <p:nvGrpSpPr>
-          <p:cNvPr id="307" name="Group"/>
+          <p:cNvPr id="324" name="Group"/>
           <p:cNvGrpSpPr/>
           <p:nvPr/>
         </p:nvGrpSpPr>
@@ -10225,14 +10991,14 @@
         </p:grpSpPr>
         <p:pic>
           <p:nvPicPr>
-            <p:cNvPr id="258" name="Screen Shot 2015-12-28 at 4.14.37 PM.png" descr="Screen Shot 2015-12-28 at 4.14.37 PM.png"/>
+            <p:cNvPr id="275" name="Screen Shot 2015-12-28 at 4.14.37 PM.png" descr="Screen Shot 2015-12-28 at 4.14.37 PM.png"/>
             <p:cNvPicPr>
               <a:picLocks noChangeAspect="1"/>
             </p:cNvPicPr>
             <p:nvPr/>
           </p:nvPicPr>
           <p:blipFill>
-            <a:blip r:embed="rId23">
+            <a:blip r:embed="rId22">
               <a:extLst/>
             </a:blip>
             <a:srcRect l="0" t="0" r="0" b="0"/>
@@ -10260,14 +11026,14 @@
         </p:pic>
         <p:pic>
           <p:nvPicPr>
-            <p:cNvPr id="259" name="Screen Shot 2015-12-28 at 3.43.48 PM.png" descr="Screen Shot 2015-12-28 at 3.43.48 PM.png"/>
+            <p:cNvPr id="276" name="Screen Shot 2015-12-28 at 3.43.48 PM.png" descr="Screen Shot 2015-12-28 at 3.43.48 PM.png"/>
             <p:cNvPicPr>
               <a:picLocks noChangeAspect="1"/>
             </p:cNvPicPr>
             <p:nvPr/>
           </p:nvPicPr>
           <p:blipFill>
-            <a:blip r:embed="rId24">
+            <a:blip r:embed="rId23">
               <a:extLst/>
             </a:blip>
             <a:srcRect l="0" t="0" r="0" b="0"/>
@@ -10295,7 +11061,7 @@
         </p:pic>
         <p:sp>
           <p:nvSpPr>
-            <p:cNvPr id="260" name="Rectangle"/>
+            <p:cNvPr id="277" name="Rectangle"/>
             <p:cNvSpPr/>
             <p:nvPr/>
           </p:nvSpPr>
@@ -10343,7 +11109,7 @@
         </p:sp>
         <p:sp>
           <p:nvSpPr>
-            <p:cNvPr id="261" name="Open Shiny, R Markdown, knitr, Sweave, LaTeX, .Rd files and more in Source Pane"/>
+            <p:cNvPr id="278" name="Open Shiny, R Markdown, knitr, Sweave, LaTeX, .Rd files and more in Source Pane"/>
             <p:cNvSpPr txBox="1"/>
             <p:nvPr/>
           </p:nvSpPr>
@@ -10407,7 +11173,7 @@
         </p:sp>
         <p:sp>
           <p:nvSpPr>
-            <p:cNvPr id="262" name="Check spelling"/>
+            <p:cNvPr id="279" name="Check spelling"/>
             <p:cNvSpPr txBox="1"/>
             <p:nvPr/>
           </p:nvSpPr>
@@ -10471,7 +11237,7 @@
         </p:sp>
         <p:sp>
           <p:nvSpPr>
-            <p:cNvPr id="263" name="Render output"/>
+            <p:cNvPr id="280" name="Render output"/>
             <p:cNvSpPr txBox="1"/>
             <p:nvPr/>
           </p:nvSpPr>
@@ -10535,7 +11301,7 @@
         </p:sp>
         <p:sp>
           <p:nvSpPr>
-            <p:cNvPr id="264" name="Choose output format"/>
+            <p:cNvPr id="281" name="Choose output format"/>
             <p:cNvSpPr txBox="1"/>
             <p:nvPr/>
           </p:nvSpPr>
@@ -10599,7 +11365,7 @@
         </p:sp>
         <p:sp>
           <p:nvSpPr>
-            <p:cNvPr id="265" name="Choose output location"/>
+            <p:cNvPr id="282" name="Choose output location"/>
             <p:cNvSpPr txBox="1"/>
             <p:nvPr/>
           </p:nvSpPr>
@@ -10663,7 +11429,7 @@
         </p:sp>
         <p:sp>
           <p:nvSpPr>
-            <p:cNvPr id="266" name="Insert code chunk"/>
+            <p:cNvPr id="283" name="Insert code chunk"/>
             <p:cNvSpPr txBox="1"/>
             <p:nvPr/>
           </p:nvSpPr>
@@ -10727,7 +11493,7 @@
         </p:sp>
         <p:sp>
           <p:nvSpPr>
-            <p:cNvPr id="267" name="Jump to previous chunk"/>
+            <p:cNvPr id="284" name="Jump to previous chunk"/>
             <p:cNvSpPr txBox="1"/>
             <p:nvPr/>
           </p:nvSpPr>
@@ -10791,7 +11557,7 @@
         </p:sp>
         <p:sp>
           <p:nvSpPr>
-            <p:cNvPr id="268" name="Jump to next chunk"/>
+            <p:cNvPr id="285" name="Jump to next chunk"/>
             <p:cNvSpPr txBox="1"/>
             <p:nvPr/>
           </p:nvSpPr>
@@ -10855,7 +11621,7 @@
         </p:sp>
         <p:sp>
           <p:nvSpPr>
-            <p:cNvPr id="269" name="Run selected lines"/>
+            <p:cNvPr id="286" name="Run selected lines"/>
             <p:cNvSpPr txBox="1"/>
             <p:nvPr/>
           </p:nvSpPr>
@@ -10919,7 +11685,7 @@
         </p:sp>
         <p:sp>
           <p:nvSpPr>
-            <p:cNvPr id="270" name="Publish to server"/>
+            <p:cNvPr id="287" name="Publish to server"/>
             <p:cNvSpPr txBox="1"/>
             <p:nvPr/>
           </p:nvSpPr>
@@ -10983,7 +11749,7 @@
         </p:sp>
         <p:sp>
           <p:nvSpPr>
-            <p:cNvPr id="271" name="Show file outline"/>
+            <p:cNvPr id="288" name="Show file outline"/>
             <p:cNvSpPr txBox="1"/>
             <p:nvPr/>
           </p:nvSpPr>
@@ -11047,7 +11813,7 @@
         </p:sp>
         <p:sp>
           <p:nvSpPr>
-            <p:cNvPr id="272" name="Set knitr chunk options"/>
+            <p:cNvPr id="289" name="Set knitr chunk options"/>
             <p:cNvSpPr txBox="1"/>
             <p:nvPr/>
           </p:nvSpPr>
@@ -11111,7 +11877,7 @@
         </p:sp>
         <p:sp>
           <p:nvSpPr>
-            <p:cNvPr id="273" name="Run this and all previous code chunks"/>
+            <p:cNvPr id="290" name="Run this and all previous code chunks"/>
             <p:cNvSpPr txBox="1"/>
             <p:nvPr/>
           </p:nvSpPr>
@@ -11175,7 +11941,7 @@
         </p:sp>
         <p:sp>
           <p:nvSpPr>
-            <p:cNvPr id="274" name="Run this code chunk"/>
+            <p:cNvPr id="291" name="Run this code chunk"/>
             <p:cNvSpPr txBox="1"/>
             <p:nvPr/>
           </p:nvSpPr>
@@ -11239,7 +12005,7 @@
         </p:sp>
         <p:sp>
           <p:nvSpPr>
-            <p:cNvPr id="275" name="Jump to chunk"/>
+            <p:cNvPr id="292" name="Jump to chunk"/>
             <p:cNvSpPr txBox="1"/>
             <p:nvPr/>
           </p:nvSpPr>
@@ -11303,7 +12069,7 @@
         </p:sp>
         <p:sp>
           <p:nvSpPr>
-            <p:cNvPr id="276" name="RStudio recognizes that files named app.R, server.R, ui.R, and global.R belong to a shiny app"/>
+            <p:cNvPr id="293" name="RStudio recognizes that files named app.R, server.R, ui.R, and global.R belong to a shiny app"/>
             <p:cNvSpPr txBox="1"/>
             <p:nvPr/>
           </p:nvSpPr>
@@ -11413,7 +12179,7 @@
         </p:sp>
         <p:sp>
           <p:nvSpPr>
-            <p:cNvPr id="277" name="Run app"/>
+            <p:cNvPr id="294" name="Run app"/>
             <p:cNvSpPr txBox="1"/>
             <p:nvPr/>
           </p:nvSpPr>
@@ -11477,7 +12243,7 @@
         </p:sp>
         <p:sp>
           <p:nvSpPr>
-            <p:cNvPr id="278" name="Choose location to view app"/>
+            <p:cNvPr id="295" name="Choose location to view app"/>
             <p:cNvSpPr txBox="1"/>
             <p:nvPr/>
           </p:nvSpPr>
@@ -11541,7 +12307,7 @@
         </p:sp>
         <p:sp>
           <p:nvSpPr>
-            <p:cNvPr id="279" name="Publish to shinyapps.io or server"/>
+            <p:cNvPr id="296" name="Publish to shinyapps.io or server"/>
             <p:cNvSpPr txBox="1"/>
             <p:nvPr/>
           </p:nvSpPr>
@@ -11605,7 +12371,7 @@
         </p:sp>
         <p:sp>
           <p:nvSpPr>
-            <p:cNvPr id="280" name="Manage publish accounts"/>
+            <p:cNvPr id="297" name="Manage publish accounts"/>
             <p:cNvSpPr txBox="1"/>
             <p:nvPr/>
           </p:nvSpPr>
@@ -11669,7 +12435,7 @@
         </p:sp>
         <p:sp>
           <p:nvSpPr>
-            <p:cNvPr id="281" name="Access markdown guide at…"/>
+            <p:cNvPr id="298" name="Access markdown guide at…"/>
             <p:cNvSpPr txBox="1"/>
             <p:nvPr/>
           </p:nvSpPr>
@@ -11766,7 +12532,7 @@
         </p:sp>
         <p:grpSp>
           <p:nvGrpSpPr>
-            <p:cNvPr id="288" name="Group"/>
+            <p:cNvPr id="305" name="Group"/>
             <p:cNvGrpSpPr/>
             <p:nvPr/>
           </p:nvGrpSpPr>
@@ -11780,7 +12546,7 @@
           </p:grpSpPr>
           <p:grpSp>
             <p:nvGrpSpPr>
-              <p:cNvPr id="286" name="Group"/>
+              <p:cNvPr id="303" name="Group"/>
               <p:cNvGrpSpPr/>
               <p:nvPr/>
             </p:nvGrpSpPr>
@@ -11794,7 +12560,7 @@
             </p:grpSpPr>
             <p:sp>
               <p:nvSpPr>
-                <p:cNvPr id="282" name="Polygon"/>
+                <p:cNvPr id="299" name="Polygon"/>
                 <p:cNvSpPr/>
                 <p:nvPr/>
               </p:nvSpPr>
@@ -11879,7 +12645,7 @@
             </p:sp>
             <p:sp>
               <p:nvSpPr>
-                <p:cNvPr id="283" name="Circle"/>
+                <p:cNvPr id="300" name="Circle"/>
                 <p:cNvSpPr/>
                 <p:nvPr/>
               </p:nvSpPr>
@@ -11941,7 +12707,7 @@
             </p:sp>
             <p:sp>
               <p:nvSpPr>
-                <p:cNvPr id="284" name="Polygon"/>
+                <p:cNvPr id="301" name="Polygon"/>
                 <p:cNvSpPr/>
                 <p:nvPr/>
               </p:nvSpPr>
@@ -12027,14 +12793,14 @@
             </p:sp>
             <p:pic>
               <p:nvPicPr>
-                <p:cNvPr id="285" name="LaTeX_logo.png" descr="LaTeX_logo.png"/>
+                <p:cNvPr id="302" name="LaTeX_logo.png" descr="LaTeX_logo.png"/>
                 <p:cNvPicPr>
                   <a:picLocks noChangeAspect="1"/>
                 </p:cNvPicPr>
                 <p:nvPr/>
               </p:nvPicPr>
               <p:blipFill>
-                <a:blip r:embed="rId25">
+                <a:blip r:embed="rId24">
                   <a:extLst/>
                 </a:blip>
                 <a:stretch>
@@ -12059,14 +12825,14 @@
           </p:grpSp>
           <p:pic>
             <p:nvPicPr>
-              <p:cNvPr id="287" name="shiny-hexbin-sticker-from-rstudio.png" descr="shiny-hexbin-sticker-from-rstudio.png"/>
+              <p:cNvPr id="304" name="shiny-hexbin-sticker-from-rstudio.png" descr="shiny-hexbin-sticker-from-rstudio.png"/>
               <p:cNvPicPr>
                 <a:picLocks noChangeAspect="1"/>
               </p:cNvPicPr>
               <p:nvPr/>
             </p:nvPicPr>
             <p:blipFill>
-              <a:blip r:embed="rId26">
+              <a:blip r:embed="rId25">
                 <a:extLst/>
               </a:blip>
               <a:stretch>
@@ -12091,7 +12857,7 @@
         </p:grpSp>
         <p:sp>
           <p:nvSpPr>
-            <p:cNvPr id="289" name="Line"/>
+            <p:cNvPr id="306" name="Line"/>
             <p:cNvSpPr/>
             <p:nvPr/>
           </p:nvSpPr>
@@ -12140,7 +12906,7 @@
         </p:sp>
         <p:sp>
           <p:nvSpPr>
-            <p:cNvPr id="290" name="Line"/>
+            <p:cNvPr id="307" name="Line"/>
             <p:cNvSpPr/>
             <p:nvPr/>
           </p:nvSpPr>
@@ -12189,7 +12955,7 @@
         </p:sp>
         <p:sp>
           <p:nvSpPr>
-            <p:cNvPr id="291" name="Line"/>
+            <p:cNvPr id="308" name="Line"/>
             <p:cNvSpPr/>
             <p:nvPr/>
           </p:nvSpPr>
@@ -12238,7 +13004,7 @@
         </p:sp>
         <p:sp>
           <p:nvSpPr>
-            <p:cNvPr id="292" name="Line"/>
+            <p:cNvPr id="309" name="Line"/>
             <p:cNvSpPr/>
             <p:nvPr/>
           </p:nvSpPr>
@@ -12287,7 +13053,7 @@
         </p:sp>
         <p:sp>
           <p:nvSpPr>
-            <p:cNvPr id="293" name="Line"/>
+            <p:cNvPr id="310" name="Line"/>
             <p:cNvSpPr/>
             <p:nvPr/>
           </p:nvSpPr>
@@ -12336,7 +13102,7 @@
         </p:sp>
         <p:sp>
           <p:nvSpPr>
-            <p:cNvPr id="294" name="Line"/>
+            <p:cNvPr id="311" name="Line"/>
             <p:cNvSpPr/>
             <p:nvPr/>
           </p:nvSpPr>
@@ -12385,7 +13151,7 @@
         </p:sp>
         <p:sp>
           <p:nvSpPr>
-            <p:cNvPr id="295" name="Line"/>
+            <p:cNvPr id="312" name="Line"/>
             <p:cNvSpPr/>
             <p:nvPr/>
           </p:nvSpPr>
@@ -12434,7 +13200,7 @@
         </p:sp>
         <p:sp>
           <p:nvSpPr>
-            <p:cNvPr id="296" name="Line"/>
+            <p:cNvPr id="313" name="Line"/>
             <p:cNvSpPr/>
             <p:nvPr/>
           </p:nvSpPr>
@@ -12483,7 +13249,7 @@
         </p:sp>
         <p:sp>
           <p:nvSpPr>
-            <p:cNvPr id="297" name="Line"/>
+            <p:cNvPr id="314" name="Line"/>
             <p:cNvSpPr/>
             <p:nvPr/>
           </p:nvSpPr>
@@ -12532,7 +13298,7 @@
         </p:sp>
         <p:sp>
           <p:nvSpPr>
-            <p:cNvPr id="298" name="Line"/>
+            <p:cNvPr id="315" name="Line"/>
             <p:cNvSpPr/>
             <p:nvPr/>
           </p:nvSpPr>
@@ -12581,7 +13347,7 @@
         </p:sp>
         <p:sp>
           <p:nvSpPr>
-            <p:cNvPr id="299" name="Line"/>
+            <p:cNvPr id="316" name="Line"/>
             <p:cNvSpPr/>
             <p:nvPr/>
           </p:nvSpPr>
@@ -12630,7 +13396,7 @@
         </p:sp>
         <p:sp>
           <p:nvSpPr>
-            <p:cNvPr id="300" name="Line"/>
+            <p:cNvPr id="317" name="Line"/>
             <p:cNvSpPr/>
             <p:nvPr/>
           </p:nvSpPr>
@@ -12679,7 +13445,7 @@
         </p:sp>
         <p:sp>
           <p:nvSpPr>
-            <p:cNvPr id="301" name="Line"/>
+            <p:cNvPr id="318" name="Line"/>
             <p:cNvSpPr/>
             <p:nvPr/>
           </p:nvSpPr>
@@ -12728,7 +13494,7 @@
         </p:sp>
         <p:sp>
           <p:nvSpPr>
-            <p:cNvPr id="302" name="Line"/>
+            <p:cNvPr id="319" name="Line"/>
             <p:cNvSpPr/>
             <p:nvPr/>
           </p:nvSpPr>
@@ -12777,7 +13543,7 @@
         </p:sp>
         <p:sp>
           <p:nvSpPr>
-            <p:cNvPr id="303" name="Line"/>
+            <p:cNvPr id="320" name="Line"/>
             <p:cNvSpPr/>
             <p:nvPr/>
           </p:nvSpPr>
@@ -12826,7 +13592,7 @@
         </p:sp>
         <p:sp>
           <p:nvSpPr>
-            <p:cNvPr id="304" name="Line"/>
+            <p:cNvPr id="321" name="Line"/>
             <p:cNvSpPr/>
             <p:nvPr/>
           </p:nvSpPr>
@@ -12875,7 +13641,7 @@
         </p:sp>
         <p:sp>
           <p:nvSpPr>
-            <p:cNvPr id="305" name="Line"/>
+            <p:cNvPr id="322" name="Line"/>
             <p:cNvSpPr/>
             <p:nvPr/>
           </p:nvSpPr>
@@ -12924,7 +13690,7 @@
         </p:sp>
         <p:sp>
           <p:nvSpPr>
-            <p:cNvPr id="306" name="Line"/>
+            <p:cNvPr id="323" name="Line"/>
             <p:cNvSpPr/>
             <p:nvPr/>
           </p:nvSpPr>
@@ -12974,7 +13740,7 @@
       </p:grpSp>
       <p:grpSp>
         <p:nvGrpSpPr>
-          <p:cNvPr id="331" name="Group"/>
+          <p:cNvPr id="348" name="Group"/>
           <p:cNvGrpSpPr/>
           <p:nvPr/>
         </p:nvGrpSpPr>
@@ -12988,14 +13754,14 @@
         </p:grpSpPr>
         <p:pic>
           <p:nvPicPr>
-            <p:cNvPr id="308" name="Screen Shot 2015-12-28 at 4.24.17 PM.png" descr="Screen Shot 2015-12-28 at 4.24.17 PM.png"/>
+            <p:cNvPr id="325" name="Screen Shot 2015-12-28 at 4.24.17 PM.png" descr="Screen Shot 2015-12-28 at 4.24.17 PM.png"/>
             <p:cNvPicPr>
               <a:picLocks noChangeAspect="1"/>
             </p:cNvPicPr>
             <p:nvPr/>
           </p:nvPicPr>
           <p:blipFill>
-            <a:blip r:embed="rId27">
+            <a:blip r:embed="rId26">
               <a:extLst/>
             </a:blip>
             <a:srcRect l="0" t="0" r="0" b="0"/>
@@ -13023,14 +13789,14 @@
         </p:pic>
         <p:pic>
           <p:nvPicPr>
-            <p:cNvPr id="309" name="gitIconLarge.png" descr="gitIconLarge.png"/>
+            <p:cNvPr id="326" name="gitIconLarge.png" descr="gitIconLarge.png"/>
             <p:cNvPicPr>
               <a:picLocks noChangeAspect="1"/>
             </p:cNvPicPr>
             <p:nvPr/>
           </p:nvPicPr>
           <p:blipFill>
-            <a:blip r:embed="rId28">
+            <a:blip r:embed="rId27">
               <a:extLst/>
             </a:blip>
             <a:srcRect l="0" t="0" r="0" b="0"/>
@@ -13055,7 +13821,7 @@
         </p:pic>
         <p:sp>
           <p:nvSpPr>
-            <p:cNvPr id="310" name="Stage files:"/>
+            <p:cNvPr id="327" name="Stage files:"/>
             <p:cNvSpPr txBox="1"/>
             <p:nvPr/>
           </p:nvSpPr>
@@ -13119,7 +13885,7 @@
         </p:sp>
         <p:sp>
           <p:nvSpPr>
-            <p:cNvPr id="311" name="Show file diff"/>
+            <p:cNvPr id="328" name="Show file diff"/>
             <p:cNvSpPr txBox="1"/>
             <p:nvPr/>
           </p:nvSpPr>
@@ -13183,7 +13949,7 @@
         </p:sp>
         <p:sp>
           <p:nvSpPr>
-            <p:cNvPr id="312" name="Commit staged files"/>
+            <p:cNvPr id="329" name="Commit staged files"/>
             <p:cNvSpPr txBox="1"/>
             <p:nvPr/>
           </p:nvSpPr>
@@ -13247,7 +14013,7 @@
         </p:sp>
         <p:sp>
           <p:nvSpPr>
-            <p:cNvPr id="313" name="Push/Pull  to remote"/>
+            <p:cNvPr id="330" name="Push/Pull  to remote"/>
             <p:cNvSpPr txBox="1"/>
             <p:nvPr/>
           </p:nvSpPr>
@@ -13311,7 +14077,7 @@
         </p:sp>
         <p:sp>
           <p:nvSpPr>
-            <p:cNvPr id="314" name="View History"/>
+            <p:cNvPr id="331" name="View History"/>
             <p:cNvSpPr txBox="1"/>
             <p:nvPr/>
           </p:nvSpPr>
@@ -13375,7 +14141,7 @@
         </p:sp>
         <p:sp>
           <p:nvSpPr>
-            <p:cNvPr id="315" name="current branch"/>
+            <p:cNvPr id="332" name="current branch"/>
             <p:cNvSpPr txBox="1"/>
             <p:nvPr/>
           </p:nvSpPr>
@@ -13439,7 +14205,7 @@
         </p:sp>
         <p:sp>
           <p:nvSpPr>
-            <p:cNvPr id="316" name="Added…"/>
+            <p:cNvPr id="333" name="Added…"/>
             <p:cNvSpPr txBox="1"/>
             <p:nvPr/>
           </p:nvSpPr>
@@ -13607,7 +14373,7 @@
         </p:sp>
         <p:sp>
           <p:nvSpPr>
-            <p:cNvPr id="317" name="Turn on at Tools &gt; Project Options &gt; Git/SVN"/>
+            <p:cNvPr id="334" name="Turn on at Tools &gt; Project Options &gt; Git/SVN"/>
             <p:cNvSpPr txBox="1"/>
             <p:nvPr/>
           </p:nvSpPr>
@@ -13678,7 +14444,7 @@
         </p:sp>
         <p:sp>
           <p:nvSpPr>
-            <p:cNvPr id="318" name="Open shell to type commands"/>
+            <p:cNvPr id="335" name="Open shell to type commands"/>
             <p:cNvSpPr txBox="1"/>
             <p:nvPr/>
           </p:nvSpPr>
@@ -13742,7 +14508,7 @@
         </p:sp>
         <p:sp>
           <p:nvSpPr>
-            <p:cNvPr id="319" name="Line"/>
+            <p:cNvPr id="336" name="Line"/>
             <p:cNvSpPr/>
             <p:nvPr/>
           </p:nvSpPr>
@@ -13791,7 +14557,7 @@
         </p:sp>
         <p:sp>
           <p:nvSpPr>
-            <p:cNvPr id="320" name="Line"/>
+            <p:cNvPr id="337" name="Line"/>
             <p:cNvSpPr/>
             <p:nvPr/>
           </p:nvSpPr>
@@ -13840,7 +14606,7 @@
         </p:sp>
         <p:sp>
           <p:nvSpPr>
-            <p:cNvPr id="321" name="Line"/>
+            <p:cNvPr id="338" name="Line"/>
             <p:cNvSpPr/>
             <p:nvPr/>
           </p:nvSpPr>
@@ -13889,7 +14655,7 @@
         </p:sp>
         <p:sp>
           <p:nvSpPr>
-            <p:cNvPr id="322" name="Line"/>
+            <p:cNvPr id="339" name="Line"/>
             <p:cNvSpPr/>
             <p:nvPr/>
           </p:nvSpPr>
@@ -13938,7 +14704,7 @@
         </p:sp>
         <p:sp>
           <p:nvSpPr>
-            <p:cNvPr id="323" name="Line"/>
+            <p:cNvPr id="340" name="Line"/>
             <p:cNvSpPr/>
             <p:nvPr/>
           </p:nvSpPr>
@@ -13987,7 +14753,7 @@
         </p:sp>
         <p:sp>
           <p:nvSpPr>
-            <p:cNvPr id="324" name="Line"/>
+            <p:cNvPr id="341" name="Line"/>
             <p:cNvSpPr/>
             <p:nvPr/>
           </p:nvSpPr>
@@ -14036,7 +14802,7 @@
         </p:sp>
         <p:sp>
           <p:nvSpPr>
-            <p:cNvPr id="325" name="Line"/>
+            <p:cNvPr id="342" name="Line"/>
             <p:cNvSpPr/>
             <p:nvPr/>
           </p:nvSpPr>
@@ -14085,7 +14851,7 @@
         </p:sp>
         <p:sp>
           <p:nvSpPr>
-            <p:cNvPr id="326" name="A"/>
+            <p:cNvPr id="343" name="A"/>
             <p:cNvSpPr/>
             <p:nvPr/>
           </p:nvSpPr>
@@ -14142,7 +14908,7 @@
         </p:sp>
         <p:sp>
           <p:nvSpPr>
-            <p:cNvPr id="327" name="D"/>
+            <p:cNvPr id="344" name="D"/>
             <p:cNvSpPr/>
             <p:nvPr/>
           </p:nvSpPr>
@@ -14199,7 +14965,7 @@
         </p:sp>
         <p:sp>
           <p:nvSpPr>
-            <p:cNvPr id="328" name="M"/>
+            <p:cNvPr id="345" name="M"/>
             <p:cNvSpPr/>
             <p:nvPr/>
           </p:nvSpPr>
@@ -14256,7 +15022,7 @@
         </p:sp>
         <p:sp>
           <p:nvSpPr>
-            <p:cNvPr id="329" name="R"/>
+            <p:cNvPr id="346" name="R"/>
             <p:cNvSpPr/>
             <p:nvPr/>
           </p:nvSpPr>
@@ -14313,7 +15079,7 @@
         </p:sp>
         <p:sp>
           <p:nvSpPr>
-            <p:cNvPr id="330" name="?"/>
+            <p:cNvPr id="347" name="?"/>
             <p:cNvSpPr/>
             <p:nvPr/>
           </p:nvSpPr>
@@ -14371,7 +15137,7 @@
       </p:grpSp>
       <p:grpSp>
         <p:nvGrpSpPr>
-          <p:cNvPr id="336" name="Group"/>
+          <p:cNvPr id="353" name="Group"/>
           <p:cNvGrpSpPr/>
           <p:nvPr/>
         </p:nvGrpSpPr>
@@ -14385,14 +15151,14 @@
         </p:grpSpPr>
         <p:pic>
           <p:nvPicPr>
-            <p:cNvPr id="332" name="Screen Shot 2015-12-31 at 12.12.07 PM.png" descr="Screen Shot 2015-12-31 at 12.12.07 PM.png"/>
+            <p:cNvPr id="349" name="Screen Shot 2015-12-31 at 12.12.07 PM.png" descr="Screen Shot 2015-12-31 at 12.12.07 PM.png"/>
             <p:cNvPicPr>
               <a:picLocks noChangeAspect="1"/>
             </p:cNvPicPr>
             <p:nvPr/>
           </p:nvPicPr>
           <p:blipFill>
-            <a:blip r:embed="rId29">
+            <a:blip r:embed="rId28">
               <a:extLst/>
             </a:blip>
             <a:srcRect l="0" t="0" r="0" b="0"/>
@@ -14417,7 +15183,7 @@
         </p:pic>
         <p:grpSp>
           <p:nvGrpSpPr>
-            <p:cNvPr id="335" name="Group"/>
+            <p:cNvPr id="352" name="Group"/>
             <p:cNvGrpSpPr/>
             <p:nvPr/>
           </p:nvGrpSpPr>
@@ -14431,14 +15197,14 @@
           </p:grpSpPr>
           <p:pic>
             <p:nvPicPr>
-              <p:cNvPr id="333" name="Screen Shot 2015-12-29 at 10.12.07 AM.png" descr="Screen Shot 2015-12-29 at 10.12.07 AM.png"/>
+              <p:cNvPr id="350" name="Screen Shot 2015-12-29 at 10.12.07 AM.png" descr="Screen Shot 2015-12-29 at 10.12.07 AM.png"/>
               <p:cNvPicPr>
                 <a:picLocks noChangeAspect="1"/>
               </p:cNvPicPr>
               <p:nvPr/>
             </p:nvPicPr>
             <p:blipFill>
-              <a:blip r:embed="rId30">
+              <a:blip r:embed="rId29">
                 <a:extLst/>
               </a:blip>
               <a:srcRect l="1509" t="2620" r="33472" b="49673"/>
@@ -14472,14 +15238,14 @@
           </p:pic>
           <p:pic>
             <p:nvPicPr>
-              <p:cNvPr id="334" name="Screen Shot 2015-12-29 at 10.12.07 AM.png" descr="Screen Shot 2015-12-29 at 10.12.07 AM.png"/>
+              <p:cNvPr id="351" name="Screen Shot 2015-12-29 at 10.12.07 AM.png" descr="Screen Shot 2015-12-29 at 10.12.07 AM.png"/>
               <p:cNvPicPr>
                 <a:picLocks noChangeAspect="1"/>
               </p:cNvPicPr>
               <p:nvPr/>
             </p:nvPicPr>
             <p:blipFill>
-              <a:blip r:embed="rId30">
+              <a:blip r:embed="rId29">
                 <a:extLst/>
               </a:blip>
               <a:srcRect l="57891" t="4101" r="2867" b="50921"/>
@@ -14506,14 +15272,14 @@
       </p:grpSp>
       <p:pic>
         <p:nvPicPr>
-          <p:cNvPr id="337" name="Screen Shot 2015-12-29 at 10.22.49 AM.png" descr="Screen Shot 2015-12-29 at 10.22.49 AM.png"/>
+          <p:cNvPr id="354" name="Screen Shot 2015-12-29 at 10.22.49 AM.png" descr="Screen Shot 2015-12-29 at 10.22.49 AM.png"/>
           <p:cNvPicPr>
             <a:picLocks noChangeAspect="1"/>
           </p:cNvPicPr>
           <p:nvPr/>
         </p:nvPicPr>
         <p:blipFill>
-          <a:blip r:embed="rId31">
+          <a:blip r:embed="rId30">
             <a:extLst/>
           </a:blip>
           <a:stretch>
@@ -14535,7 +15301,7 @@
       </p:pic>
       <p:sp>
         <p:nvSpPr>
-          <p:cNvPr id="338" name="Search inside environment"/>
+          <p:cNvPr id="355" name="Search inside environment"/>
           <p:cNvSpPr txBox="1"/>
           <p:nvPr/>
         </p:nvSpPr>
@@ -14600,7 +15366,7 @@
       </p:sp>
       <p:sp>
         <p:nvSpPr>
-          <p:cNvPr id="339" name="Syntax highlighting based on your file's extension"/>
+          <p:cNvPr id="356" name="Syntax highlighting based on your file's extension"/>
           <p:cNvSpPr txBox="1"/>
           <p:nvPr/>
         </p:nvSpPr>
@@ -14663,7 +15429,7 @@
       </p:sp>
       <p:sp>
         <p:nvSpPr>
-          <p:cNvPr id="340" name="Code diagnostics that appear in the margin. Hover over diagnostic symbols for details."/>
+          <p:cNvPr id="357" name="Code diagnostics that appear in the margin. Hover over diagnostic symbols for details."/>
           <p:cNvSpPr txBox="1"/>
           <p:nvPr/>
         </p:nvSpPr>
@@ -14726,7 +15492,7 @@
       </p:sp>
       <p:sp>
         <p:nvSpPr>
-          <p:cNvPr id="341" name="Tab completion to finish function names, file paths, arguments, and more."/>
+          <p:cNvPr id="358" name="Tab completion to finish function names, file paths, arguments, and more."/>
           <p:cNvSpPr txBox="1"/>
           <p:nvPr/>
         </p:nvSpPr>
@@ -14789,7 +15555,7 @@
       </p:sp>
       <p:sp>
         <p:nvSpPr>
-          <p:cNvPr id="342" name="Multi-language code snippets to quickly use common blocks of code."/>
+          <p:cNvPr id="359" name="Multi-language code snippets to quickly use common blocks of code."/>
           <p:cNvSpPr txBox="1"/>
           <p:nvPr/>
         </p:nvSpPr>
@@ -14852,7 +15618,7 @@
       </p:sp>
       <p:sp>
         <p:nvSpPr>
-          <p:cNvPr id="343" name="Open in new window"/>
+          <p:cNvPr id="360" name="Open in new window"/>
           <p:cNvSpPr txBox="1"/>
           <p:nvPr/>
         </p:nvSpPr>
@@ -14913,7 +15679,7 @@
       </p:sp>
       <p:sp>
         <p:nvSpPr>
-          <p:cNvPr id="344" name="Save"/>
+          <p:cNvPr id="361" name="Save"/>
           <p:cNvSpPr txBox="1"/>
           <p:nvPr/>
         </p:nvSpPr>
@@ -14974,7 +15740,7 @@
       </p:sp>
       <p:sp>
         <p:nvSpPr>
-          <p:cNvPr id="345" name="Find and replace"/>
+          <p:cNvPr id="362" name="Find and replace"/>
           <p:cNvSpPr txBox="1"/>
           <p:nvPr/>
         </p:nvSpPr>
@@ -15035,7 +15801,7 @@
       </p:sp>
       <p:sp>
         <p:nvSpPr>
-          <p:cNvPr id="346" name="Compile as notebook"/>
+          <p:cNvPr id="363" name="Compile as notebook"/>
           <p:cNvSpPr txBox="1"/>
           <p:nvPr/>
         </p:nvSpPr>
@@ -15096,7 +15862,7 @@
       </p:sp>
       <p:sp>
         <p:nvSpPr>
-          <p:cNvPr id="347" name="Run selected code"/>
+          <p:cNvPr id="364" name="Run selected code"/>
           <p:cNvSpPr txBox="1"/>
           <p:nvPr/>
         </p:nvSpPr>
@@ -15157,7 +15923,7 @@
       </p:sp>
       <p:sp>
         <p:nvSpPr>
-          <p:cNvPr id="348" name="Re-run previous code"/>
+          <p:cNvPr id="365" name="Re-run previous code"/>
           <p:cNvSpPr txBox="1"/>
           <p:nvPr/>
         </p:nvSpPr>
@@ -15220,7 +15986,7 @@
       </p:sp>
       <p:sp>
         <p:nvSpPr>
-          <p:cNvPr id="349" name="Source with or without Echo"/>
+          <p:cNvPr id="366" name="Source with or without Echo"/>
           <p:cNvSpPr txBox="1"/>
           <p:nvPr/>
         </p:nvSpPr>
@@ -15283,7 +16049,7 @@
       </p:sp>
       <p:sp>
         <p:nvSpPr>
-          <p:cNvPr id="350" name="Show file outline"/>
+          <p:cNvPr id="367" name="Show file outline"/>
           <p:cNvSpPr txBox="1"/>
           <p:nvPr/>
         </p:nvSpPr>
@@ -15346,7 +16112,7 @@
       </p:sp>
       <p:sp>
         <p:nvSpPr>
-          <p:cNvPr id="351" name="Jump to function in file"/>
+          <p:cNvPr id="368" name="Jump to function in file"/>
           <p:cNvSpPr txBox="1"/>
           <p:nvPr/>
         </p:nvSpPr>
@@ -15409,7 +16175,7 @@
       </p:sp>
       <p:sp>
         <p:nvSpPr>
-          <p:cNvPr id="352" name="Change file type"/>
+          <p:cNvPr id="369" name="Change file type"/>
           <p:cNvSpPr txBox="1"/>
           <p:nvPr/>
         </p:nvSpPr>
@@ -15472,7 +16238,7 @@
       </p:sp>
       <p:sp>
         <p:nvSpPr>
-          <p:cNvPr id="353" name="Navigate tabs"/>
+          <p:cNvPr id="370" name="Navigate tabs"/>
           <p:cNvSpPr txBox="1"/>
           <p:nvPr/>
         </p:nvSpPr>
@@ -15533,7 +16299,7 @@
       </p:sp>
       <p:sp>
         <p:nvSpPr>
-          <p:cNvPr id="354" name="A File browser keyed to your working directory. Click on file or directory name to open."/>
+          <p:cNvPr id="371" name="A File browser keyed to your working directory. Click on file or directory name to open."/>
           <p:cNvSpPr txBox="1"/>
           <p:nvPr/>
         </p:nvSpPr>
@@ -15598,7 +16364,7 @@
       </p:sp>
       <p:sp>
         <p:nvSpPr>
-          <p:cNvPr id="355" name="Path to displayed directory"/>
+          <p:cNvPr id="372" name="Path to displayed directory"/>
           <p:cNvSpPr txBox="1"/>
           <p:nvPr/>
         </p:nvSpPr>
@@ -15663,7 +16429,7 @@
       </p:sp>
       <p:sp>
         <p:nvSpPr>
-          <p:cNvPr id="356" name="Upload file"/>
+          <p:cNvPr id="373" name="Upload file"/>
           <p:cNvSpPr txBox="1"/>
           <p:nvPr/>
         </p:nvSpPr>
@@ -15728,7 +16494,7 @@
       </p:sp>
       <p:sp>
         <p:nvSpPr>
-          <p:cNvPr id="357" name="Create folder"/>
+          <p:cNvPr id="374" name="Create folder"/>
           <p:cNvSpPr txBox="1"/>
           <p:nvPr/>
         </p:nvSpPr>
@@ -15793,7 +16559,7 @@
       </p:sp>
       <p:sp>
         <p:nvSpPr>
-          <p:cNvPr id="358" name="Delete file"/>
+          <p:cNvPr id="375" name="Delete file"/>
           <p:cNvSpPr txBox="1"/>
           <p:nvPr/>
         </p:nvSpPr>
@@ -15858,7 +16624,7 @@
       </p:sp>
       <p:sp>
         <p:nvSpPr>
-          <p:cNvPr id="359" name="Rename file"/>
+          <p:cNvPr id="376" name="Rename file"/>
           <p:cNvSpPr txBox="1"/>
           <p:nvPr/>
         </p:nvSpPr>
@@ -15923,7 +16689,7 @@
       </p:sp>
       <p:sp>
         <p:nvSpPr>
-          <p:cNvPr id="360" name="Change  directory"/>
+          <p:cNvPr id="377" name="Change  directory"/>
           <p:cNvSpPr txBox="1"/>
           <p:nvPr/>
         </p:nvSpPr>
@@ -15988,7 +16754,7 @@
       </p:sp>
       <p:sp>
         <p:nvSpPr>
-          <p:cNvPr id="361" name="Displays saved objects by type with short description"/>
+          <p:cNvPr id="378" name="Displays saved objects by type with short description"/>
           <p:cNvSpPr txBox="1"/>
           <p:nvPr/>
         </p:nvSpPr>
@@ -16053,7 +16819,7 @@
       </p:sp>
       <p:sp>
         <p:nvSpPr>
-          <p:cNvPr id="362" name="View function source code"/>
+          <p:cNvPr id="379" name="View function source code"/>
           <p:cNvSpPr txBox="1"/>
           <p:nvPr/>
         </p:nvSpPr>
@@ -16118,7 +16884,7 @@
       </p:sp>
       <p:sp>
         <p:nvSpPr>
-          <p:cNvPr id="363" name="View in data viewer"/>
+          <p:cNvPr id="380" name="View in data viewer"/>
           <p:cNvSpPr txBox="1"/>
           <p:nvPr/>
         </p:nvSpPr>
@@ -16183,7 +16949,7 @@
       </p:sp>
       <p:sp>
         <p:nvSpPr>
-          <p:cNvPr id="364" name="Load workspace"/>
+          <p:cNvPr id="381" name="Load workspace"/>
           <p:cNvSpPr txBox="1"/>
           <p:nvPr/>
         </p:nvSpPr>
@@ -16248,7 +17014,7 @@
       </p:sp>
       <p:sp>
         <p:nvSpPr>
-          <p:cNvPr id="365" name="Save workspace"/>
+          <p:cNvPr id="382" name="Save workspace"/>
           <p:cNvSpPr txBox="1"/>
           <p:nvPr/>
         </p:nvSpPr>
@@ -16313,7 +17079,7 @@
       </p:sp>
       <p:sp>
         <p:nvSpPr>
-          <p:cNvPr id="366" name="Import data with wizard"/>
+          <p:cNvPr id="383" name="Import data with wizard"/>
           <p:cNvSpPr txBox="1"/>
           <p:nvPr/>
         </p:nvSpPr>
@@ -16381,7 +17147,7 @@
       </p:sp>
       <p:sp>
         <p:nvSpPr>
-          <p:cNvPr id="367" name="Delete all saved objects"/>
+          <p:cNvPr id="384" name="Delete all saved objects"/>
           <p:cNvSpPr txBox="1"/>
           <p:nvPr/>
         </p:nvSpPr>
@@ -16446,7 +17212,7 @@
       </p:sp>
       <p:sp>
         <p:nvSpPr>
-          <p:cNvPr id="368" name="Display objects as list or grid"/>
+          <p:cNvPr id="385" name="Display objects as list or grid"/>
           <p:cNvSpPr txBox="1"/>
           <p:nvPr/>
         </p:nvSpPr>
@@ -16511,7 +17277,7 @@
       </p:sp>
       <p:sp>
         <p:nvSpPr>
-          <p:cNvPr id="369" name="Choose environment to display from list of parent environments"/>
+          <p:cNvPr id="386" name="Choose environment to display from list of parent environments"/>
           <p:cNvSpPr txBox="1"/>
           <p:nvPr/>
         </p:nvSpPr>
@@ -16576,7 +17342,7 @@
       </p:sp>
       <p:sp>
         <p:nvSpPr>
-          <p:cNvPr id="370" name="History of past commands to run/copy"/>
+          <p:cNvPr id="387" name="History of past commands to run/copy"/>
           <p:cNvSpPr txBox="1"/>
           <p:nvPr/>
         </p:nvSpPr>
@@ -16637,7 +17403,7 @@
       </p:sp>
       <p:sp>
         <p:nvSpPr>
-          <p:cNvPr id="371" name="Display .RPres slideshows…"/>
+          <p:cNvPr id="388" name="Display .RPres slideshows…"/>
           <p:cNvSpPr txBox="1"/>
           <p:nvPr/>
         </p:nvSpPr>
@@ -16746,7 +17512,7 @@
       </p:sp>
       <p:sp>
         <p:nvSpPr>
-          <p:cNvPr id="372" name="Working Directory"/>
+          <p:cNvPr id="389" name="Working Directory"/>
           <p:cNvSpPr txBox="1"/>
           <p:nvPr/>
         </p:nvSpPr>
@@ -16811,7 +17577,7 @@
       </p:sp>
       <p:sp>
         <p:nvSpPr>
-          <p:cNvPr id="373" name="Maximize, minimize panes"/>
+          <p:cNvPr id="390" name="Maximize, minimize panes"/>
           <p:cNvSpPr txBox="1"/>
           <p:nvPr/>
         </p:nvSpPr>
@@ -16876,7 +17642,7 @@
       </p:sp>
       <p:sp>
         <p:nvSpPr>
-          <p:cNvPr id="374" name="Drag pane boundaries"/>
+          <p:cNvPr id="391" name="Drag pane boundaries"/>
           <p:cNvSpPr txBox="1"/>
           <p:nvPr/>
         </p:nvSpPr>
@@ -16941,14 +17707,14 @@
       </p:sp>
       <p:pic>
         <p:nvPicPr>
-          <p:cNvPr id="375" name="Screen Shot 2015-12-28 at 11.55.49 AM.png" descr="Screen Shot 2015-12-28 at 11.55.49 AM.png"/>
+          <p:cNvPr id="392" name="Screen Shot 2015-12-28 at 11.55.49 AM.png" descr="Screen Shot 2015-12-28 at 11.55.49 AM.png"/>
           <p:cNvPicPr>
             <a:picLocks noChangeAspect="1"/>
           </p:cNvPicPr>
           <p:nvPr/>
         </p:nvPicPr>
         <p:blipFill>
-          <a:blip r:embed="rId32">
+          <a:blip r:embed="rId31">
             <a:extLst/>
           </a:blip>
           <a:srcRect l="50829" t="16061" r="887" b="68556"/>
@@ -16971,7 +17737,7 @@
       </p:pic>
       <p:sp>
         <p:nvSpPr>
-          <p:cNvPr id="376" name="Line"/>
+          <p:cNvPr id="393" name="Line"/>
           <p:cNvSpPr/>
           <p:nvPr/>
         </p:nvSpPr>
@@ -17015,7 +17781,7 @@
       </p:sp>
       <p:sp>
         <p:nvSpPr>
-          <p:cNvPr id="377" name="Line"/>
+          <p:cNvPr id="394" name="Line"/>
           <p:cNvSpPr/>
           <p:nvPr/>
         </p:nvSpPr>
@@ -17059,7 +17825,7 @@
       </p:sp>
       <p:sp>
         <p:nvSpPr>
-          <p:cNvPr id="378" name="Line"/>
+          <p:cNvPr id="395" name="Line"/>
           <p:cNvSpPr/>
           <p:nvPr/>
         </p:nvSpPr>
@@ -17103,7 +17869,7 @@
       </p:sp>
       <p:sp>
         <p:nvSpPr>
-          <p:cNvPr id="379" name="Line"/>
+          <p:cNvPr id="396" name="Line"/>
           <p:cNvSpPr/>
           <p:nvPr/>
         </p:nvSpPr>
@@ -17147,7 +17913,7 @@
       </p:sp>
       <p:sp>
         <p:nvSpPr>
-          <p:cNvPr id="380" name="Line"/>
+          <p:cNvPr id="397" name="Line"/>
           <p:cNvSpPr/>
           <p:nvPr/>
         </p:nvSpPr>
@@ -17191,7 +17957,7 @@
       </p:sp>
       <p:sp>
         <p:nvSpPr>
-          <p:cNvPr id="381" name="Line"/>
+          <p:cNvPr id="398" name="Line"/>
           <p:cNvSpPr/>
           <p:nvPr/>
         </p:nvSpPr>
@@ -17235,7 +18001,7 @@
       </p:sp>
       <p:sp>
         <p:nvSpPr>
-          <p:cNvPr id="382" name="Line"/>
+          <p:cNvPr id="399" name="Line"/>
           <p:cNvSpPr/>
           <p:nvPr/>
         </p:nvSpPr>
@@ -17318,7 +18084,7 @@
       </p:sp>
       <p:sp>
         <p:nvSpPr>
-          <p:cNvPr id="383" name="Line"/>
+          <p:cNvPr id="400" name="Line"/>
           <p:cNvSpPr/>
           <p:nvPr/>
         </p:nvSpPr>
@@ -17362,7 +18128,7 @@
       </p:sp>
       <p:sp>
         <p:nvSpPr>
-          <p:cNvPr id="384" name="Line"/>
+          <p:cNvPr id="401" name="Line"/>
           <p:cNvSpPr/>
           <p:nvPr/>
         </p:nvSpPr>
@@ -17406,7 +18172,7 @@
       </p:sp>
       <p:sp>
         <p:nvSpPr>
-          <p:cNvPr id="385" name="Line"/>
+          <p:cNvPr id="402" name="Line"/>
           <p:cNvSpPr/>
           <p:nvPr/>
         </p:nvSpPr>
@@ -17450,7 +18216,7 @@
       </p:sp>
       <p:sp>
         <p:nvSpPr>
-          <p:cNvPr id="386" name="Line"/>
+          <p:cNvPr id="403" name="Line"/>
           <p:cNvSpPr/>
           <p:nvPr/>
         </p:nvSpPr>
@@ -17531,7 +18297,7 @@
       </p:sp>
       <p:sp>
         <p:nvSpPr>
-          <p:cNvPr id="387" name="Line"/>
+          <p:cNvPr id="404" name="Line"/>
           <p:cNvSpPr/>
           <p:nvPr/>
         </p:nvSpPr>
@@ -17575,7 +18341,7 @@
       </p:sp>
       <p:sp>
         <p:nvSpPr>
-          <p:cNvPr id="388" name="Line"/>
+          <p:cNvPr id="405" name="Line"/>
           <p:cNvSpPr/>
           <p:nvPr/>
         </p:nvSpPr>
@@ -17619,7 +18385,7 @@
       </p:sp>
       <p:sp>
         <p:nvSpPr>
-          <p:cNvPr id="389" name="Line"/>
+          <p:cNvPr id="406" name="Line"/>
           <p:cNvSpPr/>
           <p:nvPr/>
         </p:nvSpPr>
@@ -17663,7 +18429,7 @@
       </p:sp>
       <p:sp>
         <p:nvSpPr>
-          <p:cNvPr id="390" name="Line"/>
+          <p:cNvPr id="407" name="Line"/>
           <p:cNvSpPr/>
           <p:nvPr/>
         </p:nvSpPr>
@@ -17707,7 +18473,7 @@
       </p:sp>
       <p:sp>
         <p:nvSpPr>
-          <p:cNvPr id="391" name="Line"/>
+          <p:cNvPr id="408" name="Line"/>
           <p:cNvSpPr/>
           <p:nvPr/>
         </p:nvSpPr>
@@ -17751,7 +18517,7 @@
       </p:sp>
       <p:sp>
         <p:nvSpPr>
-          <p:cNvPr id="392" name="Line"/>
+          <p:cNvPr id="409" name="Line"/>
           <p:cNvSpPr/>
           <p:nvPr/>
         </p:nvSpPr>
@@ -17795,14 +18561,14 @@
       </p:sp>
       <p:pic>
         <p:nvPicPr>
-          <p:cNvPr id="393" name="Screen Shot 2015-12-28 at 12.37.02 PM.png" descr="Screen Shot 2015-12-28 at 12.37.02 PM.png"/>
+          <p:cNvPr id="410" name="Screen Shot 2015-12-28 at 12.37.02 PM.png" descr="Screen Shot 2015-12-28 at 12.37.02 PM.png"/>
           <p:cNvPicPr>
             <a:picLocks noChangeAspect="1"/>
           </p:cNvPicPr>
           <p:nvPr/>
         </p:nvPicPr>
         <p:blipFill>
-          <a:blip r:embed="rId33">
+          <a:blip r:embed="rId32">
             <a:extLst/>
           </a:blip>
           <a:srcRect l="3372" t="0" r="10671" b="0"/>
@@ -17835,7 +18601,7 @@
       </p:pic>
       <p:sp>
         <p:nvSpPr>
-          <p:cNvPr id="394" name="Line"/>
+          <p:cNvPr id="411" name="Line"/>
           <p:cNvSpPr/>
           <p:nvPr/>
         </p:nvSpPr>
@@ -17879,7 +18645,7 @@
       </p:sp>
       <p:sp>
         <p:nvSpPr>
-          <p:cNvPr id="395" name="Line"/>
+          <p:cNvPr id="412" name="Line"/>
           <p:cNvSpPr/>
           <p:nvPr/>
         </p:nvSpPr>
@@ -17923,14 +18689,14 @@
       </p:sp>
       <p:pic>
         <p:nvPicPr>
-          <p:cNvPr id="396" name="Screen Shot 2015-12-28 at 12.05.41 PM.png" descr="Screen Shot 2015-12-28 at 12.05.41 PM.png"/>
+          <p:cNvPr id="413" name="Screen Shot 2015-12-28 at 12.05.41 PM.png" descr="Screen Shot 2015-12-28 at 12.05.41 PM.png"/>
           <p:cNvPicPr>
             <a:picLocks noChangeAspect="1"/>
           </p:cNvPicPr>
           <p:nvPr/>
         </p:nvPicPr>
         <p:blipFill>
-          <a:blip r:embed="rId34">
+          <a:blip r:embed="rId33">
             <a:extLst/>
           </a:blip>
           <a:srcRect l="51025" t="70604" r="1351" b="27594"/>
@@ -17953,14 +18719,14 @@
       </p:pic>
       <p:pic>
         <p:nvPicPr>
-          <p:cNvPr id="397" name="Screen Shot 2015-12-28 at 12.05.41 PM.png" descr="Screen Shot 2015-12-28 at 12.05.41 PM.png"/>
+          <p:cNvPr id="414" name="Screen Shot 2015-12-28 at 12.05.41 PM.png" descr="Screen Shot 2015-12-28 at 12.05.41 PM.png"/>
           <p:cNvPicPr>
             <a:picLocks noChangeAspect="1"/>
           </p:cNvPicPr>
           <p:nvPr/>
         </p:nvPicPr>
         <p:blipFill>
-          <a:blip r:embed="rId34">
+          <a:blip r:embed="rId33">
             <a:extLst/>
           </a:blip>
           <a:srcRect l="51025" t="77543" r="1351" b="20079"/>
@@ -17983,7 +18749,7 @@
       </p:pic>
       <p:sp>
         <p:nvSpPr>
-          <p:cNvPr id="398" name="J"/>
+          <p:cNvPr id="415" name="J"/>
           <p:cNvSpPr/>
           <p:nvPr/>
         </p:nvSpPr>
@@ -18044,7 +18810,7 @@
       </p:sp>
       <p:sp>
         <p:nvSpPr>
-          <p:cNvPr id="399" name="H"/>
+          <p:cNvPr id="416" name="H"/>
           <p:cNvSpPr/>
           <p:nvPr/>
         </p:nvSpPr>
@@ -18105,7 +18871,7 @@
       </p:sp>
       <p:sp>
         <p:nvSpPr>
-          <p:cNvPr id="400" name="T"/>
+          <p:cNvPr id="417" name="T"/>
           <p:cNvSpPr/>
           <p:nvPr/>
         </p:nvSpPr>
@@ -18162,7 +18928,7 @@
       </p:sp>
       <p:sp>
         <p:nvSpPr>
-          <p:cNvPr id="401" name="Line"/>
+          <p:cNvPr id="418" name="Line"/>
           <p:cNvSpPr/>
           <p:nvPr/>
         </p:nvSpPr>
@@ -18206,7 +18972,7 @@
       </p:sp>
       <p:sp>
         <p:nvSpPr>
-          <p:cNvPr id="402" name="Line"/>
+          <p:cNvPr id="419" name="Line"/>
           <p:cNvSpPr/>
           <p:nvPr/>
         </p:nvSpPr>
@@ -18250,7 +19016,7 @@
       </p:sp>
       <p:sp>
         <p:nvSpPr>
-          <p:cNvPr id="403" name="Line"/>
+          <p:cNvPr id="420" name="Line"/>
           <p:cNvSpPr/>
           <p:nvPr/>
         </p:nvSpPr>
@@ -18294,7 +19060,7 @@
       </p:sp>
       <p:sp>
         <p:nvSpPr>
-          <p:cNvPr id="404" name="Line"/>
+          <p:cNvPr id="421" name="Line"/>
           <p:cNvSpPr/>
           <p:nvPr/>
         </p:nvSpPr>
@@ -18338,7 +19104,7 @@
       </p:sp>
       <p:sp>
         <p:nvSpPr>
-          <p:cNvPr id="405" name="Line"/>
+          <p:cNvPr id="422" name="Line"/>
           <p:cNvSpPr/>
           <p:nvPr/>
         </p:nvSpPr>
@@ -18382,7 +19148,7 @@
       </p:sp>
       <p:sp>
         <p:nvSpPr>
-          <p:cNvPr id="406" name="Line"/>
+          <p:cNvPr id="423" name="Line"/>
           <p:cNvSpPr/>
           <p:nvPr/>
         </p:nvSpPr>
@@ -18426,7 +19192,7 @@
       </p:sp>
       <p:sp>
         <p:nvSpPr>
-          <p:cNvPr id="407" name="Line"/>
+          <p:cNvPr id="424" name="Line"/>
           <p:cNvSpPr/>
           <p:nvPr/>
         </p:nvSpPr>
@@ -18470,14 +19236,14 @@
       </p:sp>
       <p:pic>
         <p:nvPicPr>
-          <p:cNvPr id="408" name="Screen Shot 2016-04-13 at 11.21.12 AM.png" descr="Screen Shot 2016-04-13 at 11.21.12 AM.png"/>
+          <p:cNvPr id="425" name="Screen Shot 2016-04-13 at 11.21.12 AM.png" descr="Screen Shot 2016-04-13 at 11.21.12 AM.png"/>
           <p:cNvPicPr>
             <a:picLocks noChangeAspect="1"/>
           </p:cNvPicPr>
           <p:nvPr/>
         </p:nvPicPr>
         <p:blipFill>
-          <a:blip r:embed="rId35">
+          <a:blip r:embed="rId34">
             <a:extLst/>
           </a:blip>
           <a:srcRect l="0" t="13838" r="0" b="0"/>
@@ -18500,7 +19266,7 @@
       </p:pic>
       <p:sp>
         <p:nvSpPr>
-          <p:cNvPr id="409" name="Line"/>
+          <p:cNvPr id="426" name="Line"/>
           <p:cNvSpPr/>
           <p:nvPr/>
         </p:nvSpPr>
@@ -18544,7 +19310,7 @@
       </p:sp>
       <p:sp>
         <p:nvSpPr>
-          <p:cNvPr id="410" name="Line"/>
+          <p:cNvPr id="427" name="Line"/>
           <p:cNvSpPr/>
           <p:nvPr/>
         </p:nvSpPr>
@@ -18588,7 +19354,7 @@
       </p:sp>
       <p:sp>
         <p:nvSpPr>
-          <p:cNvPr id="411" name="Line"/>
+          <p:cNvPr id="428" name="Line"/>
           <p:cNvSpPr/>
           <p:nvPr/>
         </p:nvSpPr>
@@ -18632,7 +19398,7 @@
       </p:sp>
       <p:sp>
         <p:nvSpPr>
-          <p:cNvPr id="412" name="Line"/>
+          <p:cNvPr id="429" name="Line"/>
           <p:cNvSpPr/>
           <p:nvPr/>
         </p:nvSpPr>
@@ -18674,7 +19440,7 @@
       </p:sp>
       <p:sp>
         <p:nvSpPr>
-          <p:cNvPr id="413" name="Line"/>
+          <p:cNvPr id="430" name="Line"/>
           <p:cNvSpPr/>
           <p:nvPr/>
         </p:nvSpPr>
@@ -18720,7 +19486,7 @@
       </p:sp>
       <p:sp>
         <p:nvSpPr>
-          <p:cNvPr id="414" name="Line"/>
+          <p:cNvPr id="431" name="Line"/>
           <p:cNvSpPr/>
           <p:nvPr/>
         </p:nvSpPr>
@@ -18766,7 +19532,7 @@
       </p:sp>
       <p:sp>
         <p:nvSpPr>
-          <p:cNvPr id="415" name="Line"/>
+          <p:cNvPr id="432" name="Line"/>
           <p:cNvSpPr/>
           <p:nvPr/>
         </p:nvSpPr>
@@ -18808,7 +19574,7 @@
       </p:sp>
       <p:sp>
         <p:nvSpPr>
-          <p:cNvPr id="416" name="Line"/>
+          <p:cNvPr id="433" name="Line"/>
           <p:cNvSpPr/>
           <p:nvPr/>
         </p:nvSpPr>
@@ -18850,7 +19616,7 @@
       </p:sp>
       <p:sp>
         <p:nvSpPr>
-          <p:cNvPr id="417" name="Cursors of shared users"/>
+          <p:cNvPr id="434" name="Cursors of shared users"/>
           <p:cNvSpPr txBox="1"/>
           <p:nvPr/>
         </p:nvSpPr>
@@ -18911,7 +19677,7 @@
       </p:sp>
       <p:sp>
         <p:nvSpPr>
-          <p:cNvPr id="418" name="Line"/>
+          <p:cNvPr id="435" name="Line"/>
           <p:cNvSpPr/>
           <p:nvPr/>
         </p:nvSpPr>
@@ -18999,7 +19765,7 @@
       </p:sp>
       <p:sp>
         <p:nvSpPr>
-          <p:cNvPr id="419" name="Line"/>
+          <p:cNvPr id="436" name="Line"/>
           <p:cNvSpPr/>
           <p:nvPr/>
         </p:nvSpPr>
@@ -19043,7 +19809,7 @@
       </p:sp>
       <p:sp>
         <p:nvSpPr>
-          <p:cNvPr id="420" name="Line"/>
+          <p:cNvPr id="437" name="Line"/>
           <p:cNvSpPr/>
           <p:nvPr/>
         </p:nvSpPr>
@@ -19087,7 +19853,7 @@
       </p:sp>
       <p:sp>
         <p:nvSpPr>
-          <p:cNvPr id="421" name="Line"/>
+          <p:cNvPr id="438" name="Line"/>
           <p:cNvSpPr/>
           <p:nvPr/>
         </p:nvSpPr>
@@ -19131,7 +19897,7 @@
       </p:sp>
       <p:sp>
         <p:nvSpPr>
-          <p:cNvPr id="422" name="Line"/>
+          <p:cNvPr id="439" name="Line"/>
           <p:cNvSpPr/>
           <p:nvPr/>
         </p:nvSpPr>
@@ -19175,7 +19941,7 @@
       </p:sp>
       <p:sp>
         <p:nvSpPr>
-          <p:cNvPr id="423" name="File &gt; New Project"/>
+          <p:cNvPr id="440" name="File &gt; New Project"/>
           <p:cNvSpPr txBox="1"/>
           <p:nvPr/>
         </p:nvSpPr>
@@ -19243,7 +20009,7 @@
       </p:sp>
       <p:sp>
         <p:nvSpPr>
-          <p:cNvPr id="424" name="Line"/>
+          <p:cNvPr id="441" name="Line"/>
           <p:cNvSpPr/>
           <p:nvPr/>
         </p:nvSpPr>
@@ -19287,7 +20053,7 @@
       </p:sp>
       <p:sp>
         <p:nvSpPr>
-          <p:cNvPr id="425" name="Line"/>
+          <p:cNvPr id="442" name="Line"/>
           <p:cNvSpPr/>
           <p:nvPr/>
         </p:nvSpPr>
@@ -19331,7 +20097,7 @@
       </p:sp>
       <p:sp>
         <p:nvSpPr>
-          <p:cNvPr id="426" name="Press  to see command history"/>
+          <p:cNvPr id="443" name="Press  to see command history"/>
           <p:cNvSpPr txBox="1"/>
           <p:nvPr/>
         </p:nvSpPr>
@@ -19415,7 +20181,7 @@
       </p:sp>
       <p:sp>
         <p:nvSpPr>
-          <p:cNvPr id="427" name="Multiple cursors/column selection with Alt + mouse drag."/>
+          <p:cNvPr id="444" name="Multiple cursors/column selection with Alt + mouse drag."/>
           <p:cNvSpPr txBox="1"/>
           <p:nvPr/>
         </p:nvSpPr>
@@ -19488,7 +20254,7 @@
       </p:sp>
       <p:sp>
         <p:nvSpPr>
-          <p:cNvPr id="428" name="Line"/>
+          <p:cNvPr id="445" name="Line"/>
           <p:cNvSpPr/>
           <p:nvPr/>
         </p:nvSpPr>
@@ -19532,14 +20298,14 @@
       </p:sp>
       <p:pic>
         <p:nvPicPr>
-          <p:cNvPr id="429" name="Screen Shot 2015-12-31 at 12.47.17 PM.png" descr="Screen Shot 2015-12-31 at 12.47.17 PM.png"/>
+          <p:cNvPr id="446" name="Screen Shot 2015-12-31 at 12.47.17 PM.png" descr="Screen Shot 2015-12-31 at 12.47.17 PM.png"/>
           <p:cNvPicPr>
             <a:picLocks noChangeAspect="1"/>
           </p:cNvPicPr>
           <p:nvPr/>
         </p:nvPicPr>
         <p:blipFill>
-          <a:blip r:embed="rId36">
+          <a:blip r:embed="rId35">
             <a:extLst/>
           </a:blip>
           <a:stretch>
@@ -19561,14 +20327,14 @@
       </p:pic>
       <p:pic>
         <p:nvPicPr>
-          <p:cNvPr id="430" name="Screen Shot 2015-12-31 at 12.47.17 PM.png" descr="Screen Shot 2015-12-31 at 12.47.17 PM.png"/>
+          <p:cNvPr id="447" name="Screen Shot 2015-12-31 at 12.47.17 PM.png" descr="Screen Shot 2015-12-31 at 12.47.17 PM.png"/>
           <p:cNvPicPr>
             <a:picLocks noChangeAspect="1"/>
           </p:cNvPicPr>
           <p:nvPr/>
         </p:nvPicPr>
         <p:blipFill>
-          <a:blip r:embed="rId36">
+          <a:blip r:embed="rId35">
             <a:extLst/>
           </a:blip>
           <a:stretch>
@@ -19590,14 +20356,14 @@
       </p:pic>
       <p:pic>
         <p:nvPicPr>
-          <p:cNvPr id="431" name="Screen Shot 2015-12-31 at 12.45.58 PM.png" descr="Screen Shot 2015-12-31 at 12.45.58 PM.png"/>
+          <p:cNvPr id="448" name="Screen Shot 2015-12-31 at 12.45.58 PM.png" descr="Screen Shot 2015-12-31 at 12.45.58 PM.png"/>
           <p:cNvPicPr>
             <a:picLocks noChangeAspect="1"/>
           </p:cNvPicPr>
           <p:nvPr/>
         </p:nvPicPr>
         <p:blipFill>
-          <a:blip r:embed="rId37">
+          <a:blip r:embed="rId36">
             <a:extLst/>
           </a:blip>
           <a:srcRect l="0" t="0" r="0" b="0"/>
@@ -19630,14 +20396,14 @@
       </p:pic>
       <p:pic>
         <p:nvPicPr>
-          <p:cNvPr id="432" name="Screen Shot 2015-12-31 at 12.45.58 PM.png" descr="Screen Shot 2015-12-31 at 12.45.58 PM.png"/>
+          <p:cNvPr id="449" name="Screen Shot 2015-12-31 at 12.45.58 PM.png" descr="Screen Shot 2015-12-31 at 12.45.58 PM.png"/>
           <p:cNvPicPr>
             <a:picLocks noChangeAspect="1"/>
           </p:cNvPicPr>
           <p:nvPr/>
         </p:nvPicPr>
         <p:blipFill>
-          <a:blip r:embed="rId37">
+          <a:blip r:embed="rId36">
             <a:extLst/>
           </a:blip>
           <a:srcRect l="580" t="26518" r="9489" b="51264"/>
@@ -19660,14 +20426,14 @@
       </p:pic>
       <p:pic>
         <p:nvPicPr>
-          <p:cNvPr id="433" name="Screen Shot 2016-04-13 at 11.17.37 AM.png" descr="Screen Shot 2016-04-13 at 11.17.37 AM.png"/>
+          <p:cNvPr id="450" name="Screen Shot 2016-04-13 at 11.17.37 AM.png" descr="Screen Shot 2016-04-13 at 11.17.37 AM.png"/>
           <p:cNvPicPr>
             <a:picLocks noChangeAspect="1"/>
           </p:cNvPicPr>
           <p:nvPr/>
         </p:nvPicPr>
         <p:blipFill>
-          <a:blip r:embed="rId38">
+          <a:blip r:embed="rId37">
             <a:extLst/>
           </a:blip>
           <a:srcRect l="0" t="2776" r="0" b="0"/>
@@ -19690,7 +20456,7 @@
       </p:pic>
       <p:sp>
         <p:nvSpPr>
-          <p:cNvPr id="434" name="Documents and Apps"/>
+          <p:cNvPr id="451" name="Documents and Apps"/>
           <p:cNvSpPr txBox="1"/>
           <p:nvPr/>
         </p:nvSpPr>
@@ -19738,7 +20504,7 @@
       </p:sp>
       <p:sp>
         <p:nvSpPr>
-          <p:cNvPr id="435" name="Line"/>
+          <p:cNvPr id="452" name="Line"/>
           <p:cNvSpPr/>
           <p:nvPr/>
         </p:nvSpPr>
@@ -19779,7 +20545,7 @@
       </p:sp>
       <p:sp>
         <p:nvSpPr>
-          <p:cNvPr id="436" name="R Support"/>
+          <p:cNvPr id="453" name="R Support"/>
           <p:cNvSpPr txBox="1"/>
           <p:nvPr/>
         </p:nvSpPr>
@@ -19827,7 +20593,7 @@
       </p:sp>
       <p:sp>
         <p:nvSpPr>
-          <p:cNvPr id="437" name="PROJECT SYSTEM"/>
+          <p:cNvPr id="454" name="PROJECT SYSTEM"/>
           <p:cNvSpPr txBox="1"/>
           <p:nvPr/>
         </p:nvSpPr>
@@ -19863,7 +20629,7 @@
       </p:sp>
       <p:sp>
         <p:nvSpPr>
-          <p:cNvPr id="438" name="Line"/>
+          <p:cNvPr id="455" name="Line"/>
           <p:cNvSpPr/>
           <p:nvPr/>
         </p:nvSpPr>
@@ -19904,7 +20670,7 @@
       </p:sp>
       <p:sp>
         <p:nvSpPr>
-          <p:cNvPr id="439" name="Debug Mode"/>
+          <p:cNvPr id="456" name="Debug Mode"/>
           <p:cNvSpPr txBox="1"/>
           <p:nvPr/>
         </p:nvSpPr>
@@ -19952,7 +20718,7 @@
       </p:sp>
       <p:sp>
         <p:nvSpPr>
-          <p:cNvPr id="440" name="Line"/>
+          <p:cNvPr id="457" name="Line"/>
           <p:cNvSpPr/>
           <p:nvPr/>
         </p:nvSpPr>
@@ -19993,7 +20759,7 @@
       </p:sp>
       <p:sp>
         <p:nvSpPr>
-          <p:cNvPr id="441" name="Version Control with Git or SVN"/>
+          <p:cNvPr id="458" name="Version Control with Git or SVN"/>
           <p:cNvSpPr txBox="1"/>
           <p:nvPr/>
         </p:nvSpPr>
@@ -20045,7 +20811,7 @@
       </p:sp>
       <p:sp>
         <p:nvSpPr>
-          <p:cNvPr id="442" name="Line"/>
+          <p:cNvPr id="459" name="Line"/>
           <p:cNvSpPr/>
           <p:nvPr/>
         </p:nvSpPr>
@@ -20086,7 +20852,7 @@
       </p:sp>
       <p:sp>
         <p:nvSpPr>
-          <p:cNvPr id="443" name="Package Writing"/>
+          <p:cNvPr id="460" name="Package Writing"/>
           <p:cNvSpPr txBox="1"/>
           <p:nvPr/>
         </p:nvSpPr>
@@ -20142,7 +20908,7 @@
 </file>
 
 <file path=ppt/slides/slide2.xml><?xml version="1.0" encoding="utf-8"?>
-<p:sld xmlns:a="http://schemas.openxmlformats.org/drawingml/2006/main" xmlns:r="http://schemas.openxmlformats.org/officeDocument/2006/relationships" xmlns:p="http://schemas.openxmlformats.org/presentationml/2006/main" showMasterSp="1" showMasterPhAnim="1">
+<p:sld xmlns:a="http://schemas.openxmlformats.org/drawingml/2006/main" xmlns:r="http://schemas.openxmlformats.org/officeDocument/2006/relationships" xmlns:p="http://schemas.openxmlformats.org/presentationml/2006/main" xmlns:m="http://schemas.openxmlformats.org/officeDocument/2006/math" xmlns:a14="http://schemas.microsoft.com/office/drawing/2010/main" showMasterSp="1" showMasterPhAnim="1">
   <p:cSld>
     <p:spTree>
       <p:nvGrpSpPr>
@@ -20158,9 +20924,804 @@
           <a:chExt cx="0" cy="0"/>
         </a:xfrm>
       </p:grpSpPr>
+      <p:grpSp>
+        <p:nvGrpSpPr>
+          <p:cNvPr id="479" name="Group"/>
+          <p:cNvGrpSpPr/>
+          <p:nvPr/>
+        </p:nvGrpSpPr>
+        <p:grpSpPr>
+          <a:xfrm>
+            <a:off x="8383487" y="-1013161"/>
+            <a:ext cx="6157893" cy="3553962"/>
+            <a:chOff x="0" y="51032"/>
+            <a:chExt cx="6157891" cy="3553961"/>
+          </a:xfrm>
+        </p:grpSpPr>
+        <p:grpSp>
+          <p:nvGrpSpPr>
+            <p:cNvPr id="477" name="Group"/>
+            <p:cNvGrpSpPr/>
+            <p:nvPr/>
+          </p:nvGrpSpPr>
+          <p:grpSpPr>
+            <a:xfrm>
+              <a:off x="23293" y="51032"/>
+              <a:ext cx="6134599" cy="2980091"/>
+              <a:chOff x="0" y="51032"/>
+              <a:chExt cx="6134598" cy="2980090"/>
+            </a:xfrm>
+          </p:grpSpPr>
+          <p:sp>
+            <p:nvSpPr>
+              <p:cNvPr id="462" name="Triangle"/>
+              <p:cNvSpPr/>
+              <p:nvPr/>
+            </p:nvSpPr>
+            <p:spPr>
+              <a:xfrm rot="1800000">
+                <a:off x="1177377" y="304285"/>
+                <a:ext cx="1319509" cy="1143860"/>
+              </a:xfrm>
+              <a:prstGeom prst="triangle">
+                <a:avLst/>
+              </a:prstGeom>
+              <a:solidFill>
+                <a:srgbClr val="83AAD7"/>
+              </a:solidFill>
+              <a:ln w="3175" cap="flat">
+                <a:solidFill>
+                  <a:srgbClr val="83AAD7"/>
+                </a:solidFill>
+                <a:prstDash val="solid"/>
+                <a:miter lim="400000"/>
+              </a:ln>
+              <a:effectLst/>
+            </p:spPr>
+            <p:txBody>
+              <a:bodyPr wrap="square" lIns="54570" tIns="54570" rIns="54570" bIns="54570" numCol="1" anchor="ctr">
+                <a:noAutofit/>
+              </a:bodyPr>
+              <a:lstStyle/>
+              <a:p>
+                <a:pPr>
+                  <a:lnSpc>
+                    <a:spcPct val="80000"/>
+                  </a:lnSpc>
+                  <a:spcBef>
+                    <a:spcPts val="0"/>
+                  </a:spcBef>
+                  <a:defRPr b="0">
+                    <a:solidFill>
+                      <a:srgbClr val="000000"/>
+                    </a:solidFill>
+                  </a:defRPr>
+                </a:pPr>
+              </a:p>
+            </p:txBody>
+          </p:sp>
+          <p:sp>
+            <p:nvSpPr>
+              <p:cNvPr id="463" name="Circle"/>
+              <p:cNvSpPr/>
+              <p:nvPr/>
+            </p:nvSpPr>
+            <p:spPr>
+              <a:xfrm flipH="1">
+                <a:off x="1550782" y="838357"/>
+                <a:ext cx="422090" cy="422090"/>
+              </a:xfrm>
+              <a:prstGeom prst="ellipse">
+                <a:avLst/>
+              </a:prstGeom>
+              <a:solidFill>
+                <a:srgbClr val="B6D5F0"/>
+              </a:solidFill>
+              <a:ln w="12700" cap="flat">
+                <a:noFill/>
+                <a:miter lim="400000"/>
+              </a:ln>
+              <a:effectLst/>
+            </p:spPr>
+            <p:txBody>
+              <a:bodyPr wrap="square" lIns="54570" tIns="54570" rIns="54570" bIns="54570" numCol="1" anchor="ctr">
+                <a:noAutofit/>
+              </a:bodyPr>
+              <a:lstStyle/>
+              <a:p>
+                <a:pPr>
+                  <a:lnSpc>
+                    <a:spcPct val="80000"/>
+                  </a:lnSpc>
+                  <a:spcBef>
+                    <a:spcPts val="0"/>
+                  </a:spcBef>
+                  <a:defRPr b="0">
+                    <a:solidFill>
+                      <a:srgbClr val="000000"/>
+                    </a:solidFill>
+                  </a:defRPr>
+                </a:pPr>
+              </a:p>
+            </p:txBody>
+          </p:sp>
+          <p:sp>
+            <p:nvSpPr>
+              <p:cNvPr id="464" name="Circle"/>
+              <p:cNvSpPr/>
+              <p:nvPr/>
+            </p:nvSpPr>
+            <p:spPr>
+              <a:xfrm flipH="1">
+                <a:off x="0" y="819778"/>
+                <a:ext cx="422089" cy="422090"/>
+              </a:xfrm>
+              <a:prstGeom prst="ellipse">
+                <a:avLst/>
+              </a:prstGeom>
+              <a:solidFill>
+                <a:srgbClr val="83AAD7">
+                  <a:alpha val="50458"/>
+                </a:srgbClr>
+              </a:solidFill>
+              <a:ln w="12700" cap="flat">
+                <a:noFill/>
+                <a:miter lim="400000"/>
+              </a:ln>
+              <a:effectLst/>
+            </p:spPr>
+            <p:txBody>
+              <a:bodyPr wrap="square" lIns="54570" tIns="54570" rIns="54570" bIns="54570" numCol="1" anchor="ctr">
+                <a:noAutofit/>
+              </a:bodyPr>
+              <a:lstStyle/>
+              <a:p>
+                <a:pPr>
+                  <a:lnSpc>
+                    <a:spcPct val="80000"/>
+                  </a:lnSpc>
+                  <a:spcBef>
+                    <a:spcPts val="0"/>
+                  </a:spcBef>
+                  <a:defRPr b="0">
+                    <a:solidFill>
+                      <a:srgbClr val="000000"/>
+                    </a:solidFill>
+                  </a:defRPr>
+                </a:pPr>
+              </a:p>
+            </p:txBody>
+          </p:sp>
+          <p:sp>
+            <p:nvSpPr>
+              <p:cNvPr id="465" name="Triangle"/>
+              <p:cNvSpPr/>
+              <p:nvPr/>
+            </p:nvSpPr>
+            <p:spPr>
+              <a:xfrm rot="19800000">
+                <a:off x="2896973" y="973389"/>
+                <a:ext cx="1319509" cy="1143860"/>
+              </a:xfrm>
+              <a:prstGeom prst="triangle">
+                <a:avLst/>
+              </a:prstGeom>
+              <a:solidFill>
+                <a:srgbClr val="B6D5F0"/>
+              </a:solidFill>
+              <a:ln w="6350" cap="flat">
+                <a:solidFill>
+                  <a:srgbClr val="BBD4ED"/>
+                </a:solidFill>
+                <a:prstDash val="solid"/>
+                <a:miter lim="400000"/>
+              </a:ln>
+              <a:effectLst/>
+            </p:spPr>
+            <p:txBody>
+              <a:bodyPr wrap="square" lIns="54570" tIns="54570" rIns="54570" bIns="54570" numCol="1" anchor="ctr">
+                <a:noAutofit/>
+              </a:bodyPr>
+              <a:lstStyle/>
+              <a:p>
+                <a:pPr>
+                  <a:lnSpc>
+                    <a:spcPct val="80000"/>
+                  </a:lnSpc>
+                  <a:spcBef>
+                    <a:spcPts val="0"/>
+                  </a:spcBef>
+                  <a:defRPr b="0">
+                    <a:solidFill>
+                      <a:srgbClr val="000000"/>
+                    </a:solidFill>
+                  </a:defRPr>
+                </a:pPr>
+              </a:p>
+            </p:txBody>
+          </p:sp>
+          <p:sp>
+            <p:nvSpPr>
+              <p:cNvPr id="466" name="Triangle"/>
+              <p:cNvSpPr/>
+              <p:nvPr/>
+            </p:nvSpPr>
+            <p:spPr>
+              <a:xfrm rot="1800000">
+                <a:off x="3470359" y="1634009"/>
+                <a:ext cx="1319509" cy="1143861"/>
+              </a:xfrm>
+              <a:prstGeom prst="triangle">
+                <a:avLst/>
+              </a:prstGeom>
+              <a:solidFill>
+                <a:srgbClr val="83AAD7"/>
+              </a:solidFill>
+              <a:ln w="6350" cap="flat">
+                <a:solidFill>
+                  <a:srgbClr val="83AAD7"/>
+                </a:solidFill>
+                <a:prstDash val="solid"/>
+                <a:miter lim="400000"/>
+              </a:ln>
+              <a:effectLst/>
+            </p:spPr>
+            <p:txBody>
+              <a:bodyPr wrap="square" lIns="54570" tIns="54570" rIns="54570" bIns="54570" numCol="1" anchor="ctr">
+                <a:noAutofit/>
+              </a:bodyPr>
+              <a:lstStyle/>
+              <a:p>
+                <a:pPr>
+                  <a:lnSpc>
+                    <a:spcPct val="80000"/>
+                  </a:lnSpc>
+                  <a:spcBef>
+                    <a:spcPts val="0"/>
+                  </a:spcBef>
+                  <a:defRPr b="0">
+                    <a:solidFill>
+                      <a:srgbClr val="000000"/>
+                    </a:solidFill>
+                  </a:defRPr>
+                </a:pPr>
+              </a:p>
+            </p:txBody>
+          </p:sp>
+          <p:sp>
+            <p:nvSpPr>
+              <p:cNvPr id="467" name="Circle"/>
+              <p:cNvSpPr/>
+              <p:nvPr/>
+            </p:nvSpPr>
+            <p:spPr>
+              <a:xfrm flipH="1">
+                <a:off x="3461021" y="1507461"/>
+                <a:ext cx="422090" cy="422090"/>
+              </a:xfrm>
+              <a:prstGeom prst="ellipse">
+                <a:avLst/>
+              </a:prstGeom>
+              <a:solidFill>
+                <a:srgbClr val="83AAD7"/>
+              </a:solidFill>
+              <a:ln w="12700" cap="flat">
+                <a:noFill/>
+                <a:miter lim="400000"/>
+              </a:ln>
+              <a:effectLst/>
+            </p:spPr>
+            <p:txBody>
+              <a:bodyPr wrap="square" lIns="54570" tIns="54570" rIns="54570" bIns="54570" numCol="1" anchor="ctr">
+                <a:noAutofit/>
+              </a:bodyPr>
+              <a:lstStyle/>
+              <a:p>
+                <a:pPr>
+                  <a:lnSpc>
+                    <a:spcPct val="80000"/>
+                  </a:lnSpc>
+                  <a:spcBef>
+                    <a:spcPts val="0"/>
+                  </a:spcBef>
+                  <a:defRPr b="0">
+                    <a:solidFill>
+                      <a:srgbClr val="000000"/>
+                    </a:solidFill>
+                  </a:defRPr>
+                </a:pPr>
+              </a:p>
+            </p:txBody>
+          </p:sp>
+          <p:sp>
+            <p:nvSpPr>
+              <p:cNvPr id="468" name="Circle"/>
+              <p:cNvSpPr/>
+              <p:nvPr/>
+            </p:nvSpPr>
+            <p:spPr>
+              <a:xfrm flipH="1">
+                <a:off x="3843763" y="2168082"/>
+                <a:ext cx="422090" cy="422090"/>
+              </a:xfrm>
+              <a:prstGeom prst="ellipse">
+                <a:avLst/>
+              </a:prstGeom>
+              <a:solidFill>
+                <a:srgbClr val="B6D5F0"/>
+              </a:solidFill>
+              <a:ln w="12700" cap="flat">
+                <a:noFill/>
+                <a:miter lim="400000"/>
+              </a:ln>
+              <a:effectLst/>
+            </p:spPr>
+            <p:txBody>
+              <a:bodyPr wrap="square" lIns="54570" tIns="54570" rIns="54570" bIns="54570" numCol="1" anchor="ctr">
+                <a:noAutofit/>
+              </a:bodyPr>
+              <a:lstStyle/>
+              <a:p>
+                <a:pPr>
+                  <a:lnSpc>
+                    <a:spcPct val="80000"/>
+                  </a:lnSpc>
+                  <a:spcBef>
+                    <a:spcPts val="0"/>
+                  </a:spcBef>
+                  <a:defRPr b="0">
+                    <a:solidFill>
+                      <a:srgbClr val="000000"/>
+                    </a:solidFill>
+                  </a:defRPr>
+                </a:pPr>
+              </a:p>
+            </p:txBody>
+          </p:sp>
+          <p:sp>
+            <p:nvSpPr>
+              <p:cNvPr id="469" name="Triangle"/>
+              <p:cNvSpPr/>
+              <p:nvPr/>
+            </p:nvSpPr>
+            <p:spPr>
+              <a:xfrm rot="1800000">
+                <a:off x="3470359" y="312963"/>
+                <a:ext cx="1319509" cy="1143861"/>
+              </a:xfrm>
+              <a:prstGeom prst="triangle">
+                <a:avLst/>
+              </a:prstGeom>
+              <a:solidFill>
+                <a:srgbClr val="83AAD7"/>
+              </a:solidFill>
+              <a:ln w="6350" cap="flat">
+                <a:solidFill>
+                  <a:srgbClr val="83AAD7"/>
+                </a:solidFill>
+                <a:prstDash val="solid"/>
+                <a:miter lim="400000"/>
+              </a:ln>
+              <a:effectLst/>
+            </p:spPr>
+            <p:txBody>
+              <a:bodyPr wrap="square" lIns="54570" tIns="54570" rIns="54570" bIns="54570" numCol="1" anchor="ctr">
+                <a:noAutofit/>
+              </a:bodyPr>
+              <a:lstStyle/>
+              <a:p>
+                <a:pPr>
+                  <a:lnSpc>
+                    <a:spcPct val="80000"/>
+                  </a:lnSpc>
+                  <a:spcBef>
+                    <a:spcPts val="0"/>
+                  </a:spcBef>
+                  <a:defRPr b="0">
+                    <a:solidFill>
+                      <a:srgbClr val="000000"/>
+                    </a:solidFill>
+                  </a:defRPr>
+                </a:pPr>
+              </a:p>
+            </p:txBody>
+          </p:sp>
+          <p:sp>
+            <p:nvSpPr>
+              <p:cNvPr id="470" name="Circle"/>
+              <p:cNvSpPr/>
+              <p:nvPr/>
+            </p:nvSpPr>
+            <p:spPr>
+              <a:xfrm flipH="1">
+                <a:off x="3843763" y="847036"/>
+                <a:ext cx="422090" cy="422090"/>
+              </a:xfrm>
+              <a:prstGeom prst="ellipse">
+                <a:avLst/>
+              </a:prstGeom>
+              <a:solidFill>
+                <a:srgbClr val="B6D5F0"/>
+              </a:solidFill>
+              <a:ln w="12700" cap="flat">
+                <a:noFill/>
+                <a:miter lim="400000"/>
+              </a:ln>
+              <a:effectLst/>
+            </p:spPr>
+            <p:txBody>
+              <a:bodyPr wrap="square" lIns="54570" tIns="54570" rIns="54570" bIns="54570" numCol="1" anchor="ctr">
+                <a:noAutofit/>
+              </a:bodyPr>
+              <a:lstStyle/>
+              <a:p>
+                <a:pPr>
+                  <a:lnSpc>
+                    <a:spcPct val="80000"/>
+                  </a:lnSpc>
+                  <a:spcBef>
+                    <a:spcPts val="0"/>
+                  </a:spcBef>
+                  <a:defRPr b="0">
+                    <a:solidFill>
+                      <a:srgbClr val="000000"/>
+                    </a:solidFill>
+                  </a:defRPr>
+                </a:pPr>
+              </a:p>
+            </p:txBody>
+          </p:sp>
+          <p:sp>
+            <p:nvSpPr>
+              <p:cNvPr id="471" name="Triangle"/>
+              <p:cNvSpPr/>
+              <p:nvPr/>
+            </p:nvSpPr>
+            <p:spPr>
+              <a:xfrm rot="19800000">
+                <a:off x="4044130" y="318647"/>
+                <a:ext cx="1319509" cy="1143861"/>
+              </a:xfrm>
+              <a:prstGeom prst="triangle">
+                <a:avLst/>
+              </a:prstGeom>
+              <a:solidFill>
+                <a:srgbClr val="B6D5F0"/>
+              </a:solidFill>
+              <a:ln w="6350" cap="flat">
+                <a:solidFill>
+                  <a:srgbClr val="BBD4ED"/>
+                </a:solidFill>
+                <a:prstDash val="solid"/>
+                <a:miter lim="400000"/>
+              </a:ln>
+              <a:effectLst/>
+            </p:spPr>
+            <p:txBody>
+              <a:bodyPr wrap="square" lIns="54570" tIns="54570" rIns="54570" bIns="54570" numCol="1" anchor="ctr">
+                <a:noAutofit/>
+              </a:bodyPr>
+              <a:lstStyle/>
+              <a:p>
+                <a:pPr>
+                  <a:lnSpc>
+                    <a:spcPct val="80000"/>
+                  </a:lnSpc>
+                  <a:spcBef>
+                    <a:spcPts val="0"/>
+                  </a:spcBef>
+                  <a:defRPr b="0">
+                    <a:solidFill>
+                      <a:srgbClr val="000000"/>
+                    </a:solidFill>
+                  </a:defRPr>
+                </a:pPr>
+              </a:p>
+            </p:txBody>
+          </p:sp>
+          <p:sp>
+            <p:nvSpPr>
+              <p:cNvPr id="472" name="Circle"/>
+              <p:cNvSpPr/>
+              <p:nvPr/>
+            </p:nvSpPr>
+            <p:spPr>
+              <a:xfrm flipH="1">
+                <a:off x="4608178" y="852720"/>
+                <a:ext cx="422090" cy="422090"/>
+              </a:xfrm>
+              <a:prstGeom prst="ellipse">
+                <a:avLst/>
+              </a:prstGeom>
+              <a:solidFill>
+                <a:srgbClr val="83AAD7"/>
+              </a:solidFill>
+              <a:ln w="12700" cap="flat">
+                <a:noFill/>
+                <a:miter lim="400000"/>
+              </a:ln>
+              <a:effectLst/>
+            </p:spPr>
+            <p:txBody>
+              <a:bodyPr wrap="square" lIns="54570" tIns="54570" rIns="54570" bIns="54570" numCol="1" anchor="ctr">
+                <a:noAutofit/>
+              </a:bodyPr>
+              <a:lstStyle/>
+              <a:p>
+                <a:pPr>
+                  <a:lnSpc>
+                    <a:spcPct val="80000"/>
+                  </a:lnSpc>
+                  <a:spcBef>
+                    <a:spcPts val="0"/>
+                  </a:spcBef>
+                  <a:defRPr b="0">
+                    <a:solidFill>
+                      <a:srgbClr val="000000"/>
+                    </a:solidFill>
+                  </a:defRPr>
+                </a:pPr>
+              </a:p>
+            </p:txBody>
+          </p:sp>
+          <p:sp>
+            <p:nvSpPr>
+              <p:cNvPr id="473" name="Triangle"/>
+              <p:cNvSpPr/>
+              <p:nvPr/>
+            </p:nvSpPr>
+            <p:spPr>
+              <a:xfrm rot="1800000">
+                <a:off x="4617515" y="979268"/>
+                <a:ext cx="1319509" cy="1143861"/>
+              </a:xfrm>
+              <a:prstGeom prst="triangle">
+                <a:avLst/>
+              </a:prstGeom>
+              <a:solidFill>
+                <a:srgbClr val="83AAD7"/>
+              </a:solidFill>
+              <a:ln w="6350" cap="flat">
+                <a:solidFill>
+                  <a:srgbClr val="83AAD7"/>
+                </a:solidFill>
+                <a:prstDash val="solid"/>
+                <a:miter lim="400000"/>
+              </a:ln>
+              <a:effectLst/>
+            </p:spPr>
+            <p:txBody>
+              <a:bodyPr wrap="square" lIns="54570" tIns="54570" rIns="54570" bIns="54570" numCol="1" anchor="ctr">
+                <a:noAutofit/>
+              </a:bodyPr>
+              <a:lstStyle/>
+              <a:p>
+                <a:pPr>
+                  <a:lnSpc>
+                    <a:spcPct val="80000"/>
+                  </a:lnSpc>
+                  <a:spcBef>
+                    <a:spcPts val="0"/>
+                  </a:spcBef>
+                  <a:defRPr b="0">
+                    <a:solidFill>
+                      <a:srgbClr val="000000"/>
+                    </a:solidFill>
+                  </a:defRPr>
+                </a:pPr>
+              </a:p>
+            </p:txBody>
+          </p:sp>
+          <p:sp>
+            <p:nvSpPr>
+              <p:cNvPr id="474" name="Circle"/>
+              <p:cNvSpPr/>
+              <p:nvPr/>
+            </p:nvSpPr>
+            <p:spPr>
+              <a:xfrm flipH="1">
+                <a:off x="4990920" y="1513341"/>
+                <a:ext cx="422090" cy="422090"/>
+              </a:xfrm>
+              <a:prstGeom prst="ellipse">
+                <a:avLst/>
+              </a:prstGeom>
+              <a:solidFill>
+                <a:srgbClr val="B6D5F0"/>
+              </a:solidFill>
+              <a:ln w="12700" cap="flat">
+                <a:noFill/>
+                <a:miter lim="400000"/>
+              </a:ln>
+              <a:effectLst/>
+            </p:spPr>
+            <p:txBody>
+              <a:bodyPr wrap="square" lIns="54570" tIns="54570" rIns="54570" bIns="54570" numCol="1" anchor="ctr">
+                <a:noAutofit/>
+              </a:bodyPr>
+              <a:lstStyle/>
+              <a:p>
+                <a:pPr>
+                  <a:lnSpc>
+                    <a:spcPct val="80000"/>
+                  </a:lnSpc>
+                  <a:spcBef>
+                    <a:spcPts val="0"/>
+                  </a:spcBef>
+                  <a:defRPr b="0">
+                    <a:solidFill>
+                      <a:srgbClr val="000000"/>
+                    </a:solidFill>
+                  </a:defRPr>
+                </a:pPr>
+              </a:p>
+            </p:txBody>
+          </p:sp>
+          <p:sp>
+            <p:nvSpPr>
+              <p:cNvPr id="475" name="Triangle"/>
+              <p:cNvSpPr/>
+              <p:nvPr/>
+            </p:nvSpPr>
+            <p:spPr>
+              <a:xfrm rot="19800000">
+                <a:off x="1751148" y="309969"/>
+                <a:ext cx="1319510" cy="1143860"/>
+              </a:xfrm>
+              <a:prstGeom prst="triangle">
+                <a:avLst/>
+              </a:prstGeom>
+              <a:solidFill>
+                <a:srgbClr val="B6D5F0"/>
+              </a:solidFill>
+              <a:ln w="6350" cap="flat">
+                <a:solidFill>
+                  <a:srgbClr val="BBD4ED"/>
+                </a:solidFill>
+                <a:prstDash val="solid"/>
+                <a:miter lim="400000"/>
+              </a:ln>
+              <a:effectLst/>
+            </p:spPr>
+            <p:txBody>
+              <a:bodyPr wrap="square" lIns="54570" tIns="54570" rIns="54570" bIns="54570" numCol="1" anchor="ctr">
+                <a:noAutofit/>
+              </a:bodyPr>
+              <a:lstStyle/>
+              <a:p>
+                <a:pPr>
+                  <a:lnSpc>
+                    <a:spcPct val="80000"/>
+                  </a:lnSpc>
+                  <a:spcBef>
+                    <a:spcPts val="0"/>
+                  </a:spcBef>
+                  <a:defRPr b="0">
+                    <a:solidFill>
+                      <a:srgbClr val="000000"/>
+                    </a:solidFill>
+                  </a:defRPr>
+                </a:pPr>
+              </a:p>
+            </p:txBody>
+          </p:sp>
+          <p:sp>
+            <p:nvSpPr>
+              <p:cNvPr id="476" name="Circle"/>
+              <p:cNvSpPr/>
+              <p:nvPr/>
+            </p:nvSpPr>
+            <p:spPr>
+              <a:xfrm flipH="1">
+                <a:off x="2315196" y="844041"/>
+                <a:ext cx="422090" cy="422090"/>
+              </a:xfrm>
+              <a:prstGeom prst="ellipse">
+                <a:avLst/>
+              </a:prstGeom>
+              <a:solidFill>
+                <a:srgbClr val="83AAD7"/>
+              </a:solidFill>
+              <a:ln w="12700" cap="flat">
+                <a:noFill/>
+                <a:miter lim="400000"/>
+              </a:ln>
+              <a:effectLst/>
+            </p:spPr>
+            <p:txBody>
+              <a:bodyPr wrap="square" lIns="54570" tIns="54570" rIns="54570" bIns="54570" numCol="1" anchor="ctr">
+                <a:noAutofit/>
+              </a:bodyPr>
+              <a:lstStyle/>
+              <a:p>
+                <a:pPr>
+                  <a:lnSpc>
+                    <a:spcPct val="80000"/>
+                  </a:lnSpc>
+                  <a:spcBef>
+                    <a:spcPts val="0"/>
+                  </a:spcBef>
+                  <a:defRPr b="0">
+                    <a:solidFill>
+                      <a:srgbClr val="000000"/>
+                    </a:solidFill>
+                  </a:defRPr>
+                </a:pPr>
+              </a:p>
+            </p:txBody>
+          </p:sp>
+        </p:grpSp>
+        <p:sp>
+          <p:nvSpPr>
+            <p:cNvPr id="478" name="Rectangle"/>
+            <p:cNvSpPr/>
+            <p:nvPr/>
+          </p:nvSpPr>
+          <p:spPr>
+            <a:xfrm>
+              <a:off x="0" y="1038072"/>
+              <a:ext cx="5593304" cy="2566922"/>
+            </a:xfrm>
+            <a:prstGeom prst="rect">
+              <a:avLst/>
+            </a:prstGeom>
+            <a:gradFill flip="none" rotWithShape="1">
+              <a:gsLst>
+                <a:gs pos="0">
+                  <a:srgbClr val="FFFFFF">
+                    <a:alpha val="0"/>
+                  </a:srgbClr>
+                </a:gs>
+                <a:gs pos="20382">
+                  <a:srgbClr val="FFFFFF">
+                    <a:alpha val="45796"/>
+                  </a:srgbClr>
+                </a:gs>
+                <a:gs pos="35803">
+                  <a:srgbClr val="FFFFFF">
+                    <a:alpha val="72898"/>
+                  </a:srgbClr>
+                </a:gs>
+                <a:gs pos="55434">
+                  <a:srgbClr val="FFFFFF"/>
+                </a:gs>
+              </a:gsLst>
+              <a:path path="shape">
+                <a:fillToRect l="52462" t="-2372" r="47537" b="102372"/>
+              </a:path>
+            </a:gradFill>
+            <a:ln w="12700" cap="flat">
+              <a:noFill/>
+              <a:miter lim="400000"/>
+            </a:ln>
+            <a:effectLst/>
+          </p:spPr>
+          <p:txBody>
+            <a:bodyPr wrap="square" lIns="54570" tIns="54570" rIns="54570" bIns="54570" numCol="1" anchor="ctr">
+              <a:noAutofit/>
+            </a:bodyPr>
+            <a:lstStyle/>
+            <a:p>
+              <a:pPr>
+                <a:lnSpc>
+                  <a:spcPct val="80000"/>
+                </a:lnSpc>
+                <a:spcBef>
+                  <a:spcPts val="0"/>
+                </a:spcBef>
+                <a:defRPr b="0">
+                  <a:solidFill>
+                    <a:srgbClr val="000000"/>
+                  </a:solidFill>
+                </a:defRPr>
+              </a:pPr>
+            </a:p>
+          </p:txBody>
+        </p:sp>
+      </p:grpSp>
       <p:graphicFrame>
         <p:nvGraphicFramePr>
-          <p:cNvPr id="445" name="Table"/>
+          <p:cNvPr id="480" name="Table"/>
           <p:cNvGraphicFramePr/>
           <p:nvPr/>
         </p:nvGraphicFramePr>
@@ -22712,7 +24273,7 @@
       </p:graphicFrame>
       <p:graphicFrame>
         <p:nvGraphicFramePr>
-          <p:cNvPr id="446" name="Table"/>
+          <p:cNvPr id="481" name="Table"/>
           <p:cNvGraphicFramePr/>
           <p:nvPr/>
         </p:nvGraphicFramePr>
@@ -24309,7 +25870,7 @@
       </p:graphicFrame>
       <p:graphicFrame>
         <p:nvGraphicFramePr>
-          <p:cNvPr id="447" name="Table"/>
+          <p:cNvPr id="482" name="Table"/>
           <p:cNvGraphicFramePr/>
           <p:nvPr/>
         </p:nvGraphicFramePr>
@@ -25071,7 +26632,7 @@
       </p:graphicFrame>
       <p:graphicFrame>
         <p:nvGraphicFramePr>
-          <p:cNvPr id="448" name="Table"/>
+          <p:cNvPr id="483" name="Table"/>
           <p:cNvGraphicFramePr/>
           <p:nvPr/>
         </p:nvGraphicFramePr>
@@ -25751,7 +27312,7 @@
       </p:graphicFrame>
       <p:graphicFrame>
         <p:nvGraphicFramePr>
-          <p:cNvPr id="449" name="Table"/>
+          <p:cNvPr id="484" name="Table"/>
           <p:cNvGraphicFramePr/>
           <p:nvPr/>
         </p:nvGraphicFramePr>
@@ -26513,7 +28074,7 @@
       </p:graphicFrame>
       <p:graphicFrame>
         <p:nvGraphicFramePr>
-          <p:cNvPr id="450" name="Table"/>
+          <p:cNvPr id="485" name="Table"/>
           <p:cNvGraphicFramePr/>
           <p:nvPr/>
         </p:nvGraphicFramePr>
@@ -28398,7 +29959,7 @@
       </p:graphicFrame>
       <p:graphicFrame>
         <p:nvGraphicFramePr>
-          <p:cNvPr id="451" name="Table"/>
+          <p:cNvPr id="486" name="Table"/>
           <p:cNvGraphicFramePr/>
           <p:nvPr/>
         </p:nvGraphicFramePr>
@@ -29576,38 +31137,9 @@
           </a:graphicData>
         </a:graphic>
       </p:graphicFrame>
-      <p:pic>
-        <p:nvPicPr>
-          <p:cNvPr id="452" name="Image" descr="Image"/>
-          <p:cNvPicPr>
-            <a:picLocks noChangeAspect="1"/>
-          </p:cNvPicPr>
-          <p:nvPr/>
-        </p:nvPicPr>
-        <p:blipFill>
-          <a:blip r:embed="rId2">
-            <a:extLst/>
-          </a:blip>
-          <a:stretch>
-            <a:fillRect/>
-          </a:stretch>
-        </p:blipFill>
-        <p:spPr>
-          <a:xfrm>
-            <a:off x="8369105" y="-684523"/>
-            <a:ext cx="5603817" cy="2992964"/>
-          </a:xfrm>
-          <a:prstGeom prst="rect">
-            <a:avLst/>
-          </a:prstGeom>
-          <a:ln w="12700">
-            <a:miter lim="400000"/>
-          </a:ln>
-        </p:spPr>
-      </p:pic>
       <p:sp>
         <p:nvSpPr>
-          <p:cNvPr id="453" name="Line"/>
+          <p:cNvPr id="487" name="Line"/>
           <p:cNvSpPr/>
           <p:nvPr/>
         </p:nvSpPr>
@@ -29648,14 +31180,14 @@
       </p:sp>
       <p:pic>
         <p:nvPicPr>
-          <p:cNvPr id="454" name="Image" descr="Image"/>
+          <p:cNvPr id="488" name="Image" descr="Image"/>
           <p:cNvPicPr>
             <a:picLocks noChangeAspect="1"/>
           </p:cNvPicPr>
           <p:nvPr/>
         </p:nvPicPr>
         <p:blipFill>
-          <a:blip r:embed="rId3">
+          <a:blip r:embed="rId2">
             <a:extLst/>
           </a:blip>
           <a:stretch>
@@ -29677,7 +31209,7 @@
       </p:pic>
       <p:sp>
         <p:nvSpPr>
-          <p:cNvPr id="455" name="RStudio® is a trademark of RStudio, Inc.  •  CC BY SA  RStudio •  info@rstudio.com  •  844-448-1212 • rstudio.com •  Learn more at www.rstudio.com  •  RStudio IDE  0.1.0  •  Updated: 2017-09"/>
+          <p:cNvPr id="489" name="RStudio® is a trademark of RStudio, Inc.  •  CC BY SA  RStudio •  info@rstudio.com  •  844-448-1212 • rstudio.com •  Learn more at www.rstudio.com  •  RStudio IDE  0.1.0  •  Updated: 2017-09"/>
           <p:cNvSpPr txBox="1"/>
           <p:nvPr/>
         </p:nvSpPr>
@@ -29722,7 +31254,7 @@
             </a:r>
             <a:r>
               <a:rPr>
-                <a:hlinkClick r:id="rId4" invalidUrl="" action="" tgtFrame="" tooltip="" history="1" highlightClick="0" endSnd="0"/>
+                <a:hlinkClick r:id="rId3" invalidUrl="" action="" tgtFrame="" tooltip="" history="1" highlightClick="0" endSnd="0"/>
               </a:rPr>
               <a:t>CC BY SA</a:t>
             </a:r>
@@ -29731,7 +31263,7 @@
             </a:r>
             <a:r>
               <a:rPr>
-                <a:hlinkClick r:id="rId5" invalidUrl="" action="" tgtFrame="" tooltip="" history="1" highlightClick="0" endSnd="0"/>
+                <a:hlinkClick r:id="rId4" invalidUrl="" action="" tgtFrame="" tooltip="" history="1" highlightClick="0" endSnd="0"/>
               </a:rPr>
               <a:t>info@rstudio.com</a:t>
             </a:r>
@@ -29740,7 +31272,7 @@
             </a:r>
             <a:r>
               <a:rPr>
-                <a:hlinkClick r:id="rId6" invalidUrl="" action="" tgtFrame="" tooltip="" history="1" highlightClick="0" endSnd="0"/>
+                <a:hlinkClick r:id="rId5" invalidUrl="" action="" tgtFrame="" tooltip="" history="1" highlightClick="0" endSnd="0"/>
               </a:rPr>
               <a:t>rstudio.com</a:t>
             </a:r>
@@ -29759,7 +31291,7 @@
       </p:sp>
       <p:graphicFrame>
         <p:nvGraphicFramePr>
-          <p:cNvPr id="456" name="Table"/>
+          <p:cNvPr id="490" name="Table"/>
           <p:cNvGraphicFramePr/>
           <p:nvPr/>
         </p:nvGraphicFramePr>
@@ -29986,7 +31518,7 @@
       </p:graphicFrame>
       <p:graphicFrame>
         <p:nvGraphicFramePr>
-          <p:cNvPr id="457" name="Table"/>
+          <p:cNvPr id="491" name="Table"/>
           <p:cNvGraphicFramePr/>
           <p:nvPr/>
         </p:nvGraphicFramePr>
@@ -30112,7 +31644,7 @@
       </p:graphicFrame>
       <p:sp>
         <p:nvSpPr>
-          <p:cNvPr id="458" name="RSP extends the  the open source server with a commercial license, support, and more:"/>
+          <p:cNvPr id="492" name="RSP extends the  the open source server with a commercial license, support, and more:"/>
           <p:cNvSpPr txBox="1"/>
           <p:nvPr/>
         </p:nvSpPr>
@@ -30173,7 +31705,7 @@
       </p:sp>
       <p:sp>
         <p:nvSpPr>
-          <p:cNvPr id="459" name="open and run multiple R sessions at once…"/>
+          <p:cNvPr id="493" name="open and run multiple R sessions at once…"/>
           <p:cNvSpPr txBox="1"/>
           <p:nvPr/>
         </p:nvSpPr>
@@ -30371,7 +31903,7 @@
       </p:sp>
       <p:sp>
         <p:nvSpPr>
-          <p:cNvPr id="460" name="Download a free 45 day evaluation at…"/>
+          <p:cNvPr id="494" name="Download a free 45 day evaluation at…"/>
           <p:cNvSpPr txBox="1"/>
           <p:nvPr/>
         </p:nvSpPr>
@@ -30449,7 +31981,7 @@
             </a:pPr>
             <a:r>
               <a:rPr u="sng">
-                <a:hlinkClick r:id="rId7" invalidUrl="" action="" tgtFrame="" tooltip="" history="1" highlightClick="0" endSnd="0"/>
+                <a:hlinkClick r:id="rId6" invalidUrl="" action="" tgtFrame="" tooltip="" history="1" highlightClick="0" endSnd="0"/>
               </a:rPr>
               <a:t>www.rstudio.com/products/rstudio-server-pro/</a:t>
             </a:r>
@@ -30458,7 +31990,7 @@
       </p:sp>
       <p:sp>
         <p:nvSpPr>
-          <p:cNvPr id="461" name="WHY RSTUDIO SERVER PRO?"/>
+          <p:cNvPr id="495" name="WHY RSTUDIO SERVER PRO?"/>
           <p:cNvSpPr txBox="1"/>
           <p:nvPr/>
         </p:nvSpPr>
@@ -30494,7 +32026,7 @@
       </p:sp>
       <p:graphicFrame>
         <p:nvGraphicFramePr>
-          <p:cNvPr id="462" name="Table"/>
+          <p:cNvPr id="496" name="Table"/>
           <p:cNvGraphicFramePr/>
           <p:nvPr/>
         </p:nvGraphicFramePr>
@@ -36584,14 +38116,14 @@
       </p:graphicFrame>
       <p:pic>
         <p:nvPicPr>
-          <p:cNvPr id="463" name="RStudio-Ball.png" descr="RStudio-Ball.png"/>
+          <p:cNvPr id="497" name="RStudio-Ball.png" descr="RStudio-Ball.png"/>
           <p:cNvPicPr>
             <a:picLocks noChangeAspect="1"/>
           </p:cNvPicPr>
           <p:nvPr/>
         </p:nvPicPr>
         <p:blipFill>
-          <a:blip r:embed="rId8">
+          <a:blip r:embed="rId7">
             <a:extLst/>
           </a:blip>
           <a:stretch>
